--- a/提出（学生が出す）ー岡本/AM/17546　ニャン/17546　ニャン.pptx
+++ b/提出（学生が出す）ー岡本/AM/17546　ニャン/17546　ニャン.pptx
@@ -7,9 +7,8 @@
   <p:sldIdLst>
     <p:sldId id="256" r:id="rId2"/>
     <p:sldId id="257" r:id="rId3"/>
-    <p:sldId id="258" r:id="rId4"/>
-    <p:sldId id="259" r:id="rId5"/>
-    <p:sldId id="260" r:id="rId6"/>
+    <p:sldId id="259" r:id="rId4"/>
+    <p:sldId id="260" r:id="rId5"/>
   </p:sldIdLst>
   <p:sldSz cx="6858000" cy="9906000" type="A4"/>
   <p:notesSz cx="9144000" cy="6858000"/>
@@ -247,7 +246,7 @@
           <a:p>
             <a:fld id="{242189A4-066C-4623-8831-1DB069A3AEB7}" type="datetimeFigureOut">
               <a:rPr kumimoji="1" lang="ja-JP" altLang="en-US" smtClean="0"/>
-              <a:t>2019/9/26</a:t>
+              <a:t>2019/10/31</a:t>
             </a:fld>
             <a:endParaRPr kumimoji="1" lang="ja-JP" altLang="en-US"/>
           </a:p>
@@ -449,7 +448,7 @@
           <a:p>
             <a:fld id="{242189A4-066C-4623-8831-1DB069A3AEB7}" type="datetimeFigureOut">
               <a:rPr kumimoji="1" lang="ja-JP" altLang="en-US" smtClean="0"/>
-              <a:t>2019/9/26</a:t>
+              <a:t>2019/10/31</a:t>
             </a:fld>
             <a:endParaRPr kumimoji="1" lang="ja-JP" altLang="en-US"/>
           </a:p>
@@ -661,7 +660,7 @@
           <a:p>
             <a:fld id="{242189A4-066C-4623-8831-1DB069A3AEB7}" type="datetimeFigureOut">
               <a:rPr kumimoji="1" lang="ja-JP" altLang="en-US" smtClean="0"/>
-              <a:t>2019/9/26</a:t>
+              <a:t>2019/10/31</a:t>
             </a:fld>
             <a:endParaRPr kumimoji="1" lang="ja-JP" altLang="en-US"/>
           </a:p>
@@ -863,7 +862,7 @@
           <a:p>
             <a:fld id="{242189A4-066C-4623-8831-1DB069A3AEB7}" type="datetimeFigureOut">
               <a:rPr kumimoji="1" lang="ja-JP" altLang="en-US" smtClean="0"/>
-              <a:t>2019/9/26</a:t>
+              <a:t>2019/10/31</a:t>
             </a:fld>
             <a:endParaRPr kumimoji="1" lang="ja-JP" altLang="en-US"/>
           </a:p>
@@ -1107,7 +1106,7 @@
           <a:p>
             <a:fld id="{242189A4-066C-4623-8831-1DB069A3AEB7}" type="datetimeFigureOut">
               <a:rPr kumimoji="1" lang="ja-JP" altLang="en-US" smtClean="0"/>
-              <a:t>2019/9/26</a:t>
+              <a:t>2019/10/31</a:t>
             </a:fld>
             <a:endParaRPr kumimoji="1" lang="ja-JP" altLang="en-US"/>
           </a:p>
@@ -1403,7 +1402,7 @@
           <a:p>
             <a:fld id="{242189A4-066C-4623-8831-1DB069A3AEB7}" type="datetimeFigureOut">
               <a:rPr kumimoji="1" lang="ja-JP" altLang="en-US" smtClean="0"/>
-              <a:t>2019/9/26</a:t>
+              <a:t>2019/10/31</a:t>
             </a:fld>
             <a:endParaRPr kumimoji="1" lang="ja-JP" altLang="en-US"/>
           </a:p>
@@ -1834,7 +1833,7 @@
           <a:p>
             <a:fld id="{242189A4-066C-4623-8831-1DB069A3AEB7}" type="datetimeFigureOut">
               <a:rPr kumimoji="1" lang="ja-JP" altLang="en-US" smtClean="0"/>
-              <a:t>2019/9/26</a:t>
+              <a:t>2019/10/31</a:t>
             </a:fld>
             <a:endParaRPr kumimoji="1" lang="ja-JP" altLang="en-US"/>
           </a:p>
@@ -1952,7 +1951,7 @@
           <a:p>
             <a:fld id="{242189A4-066C-4623-8831-1DB069A3AEB7}" type="datetimeFigureOut">
               <a:rPr kumimoji="1" lang="ja-JP" altLang="en-US" smtClean="0"/>
-              <a:t>2019/9/26</a:t>
+              <a:t>2019/10/31</a:t>
             </a:fld>
             <a:endParaRPr kumimoji="1" lang="ja-JP" altLang="en-US"/>
           </a:p>
@@ -2047,7 +2046,7 @@
           <a:p>
             <a:fld id="{242189A4-066C-4623-8831-1DB069A3AEB7}" type="datetimeFigureOut">
               <a:rPr kumimoji="1" lang="ja-JP" altLang="en-US" smtClean="0"/>
-              <a:t>2019/9/26</a:t>
+              <a:t>2019/10/31</a:t>
             </a:fld>
             <a:endParaRPr kumimoji="1" lang="ja-JP" altLang="en-US"/>
           </a:p>
@@ -2356,7 +2355,7 @@
           <a:p>
             <a:fld id="{242189A4-066C-4623-8831-1DB069A3AEB7}" type="datetimeFigureOut">
               <a:rPr kumimoji="1" lang="ja-JP" altLang="en-US" smtClean="0"/>
-              <a:t>2019/9/26</a:t>
+              <a:t>2019/10/31</a:t>
             </a:fld>
             <a:endParaRPr kumimoji="1" lang="ja-JP" altLang="en-US"/>
           </a:p>
@@ -2613,7 +2612,7 @@
           <a:p>
             <a:fld id="{242189A4-066C-4623-8831-1DB069A3AEB7}" type="datetimeFigureOut">
               <a:rPr kumimoji="1" lang="ja-JP" altLang="en-US" smtClean="0"/>
-              <a:t>2019/9/26</a:t>
+              <a:t>2019/10/31</a:t>
             </a:fld>
             <a:endParaRPr kumimoji="1" lang="ja-JP" altLang="en-US"/>
           </a:p>
@@ -2858,7 +2857,7 @@
           <a:p>
             <a:fld id="{242189A4-066C-4623-8831-1DB069A3AEB7}" type="datetimeFigureOut">
               <a:rPr kumimoji="1" lang="ja-JP" altLang="en-US" smtClean="0"/>
-              <a:t>2019/9/26</a:t>
+              <a:t>2019/10/31</a:t>
             </a:fld>
             <a:endParaRPr kumimoji="1" lang="ja-JP" altLang="en-US"/>
           </a:p>
@@ -5033,368 +5032,6 @@
         <p:spPr>
           <a:xfrm>
             <a:off x="0" y="0"/>
-            <a:ext cx="6858000" cy="704850"/>
-          </a:xfrm>
-          <a:solidFill>
-            <a:schemeClr val="accent2">
-              <a:lumMod val="20000"/>
-              <a:lumOff val="80000"/>
-            </a:schemeClr>
-          </a:solidFill>
-        </p:spPr>
-        <p:txBody>
-          <a:bodyPr>
-            <a:normAutofit/>
-          </a:bodyPr>
-          <a:lstStyle/>
-          <a:p>
-            <a:pPr algn="ctr"/>
-            <a:r>
-              <a:rPr lang="ja-JP" altLang="en-US" sz="1400" dirty="0" smtClean="0">
-                <a:solidFill>
-                  <a:srgbClr val="FF0000"/>
-                </a:solidFill>
-              </a:rPr>
-              <a:t>鍋</a:t>
-            </a:r>
-            <a:r>
-              <a:rPr lang="ja-JP" altLang="en-US" sz="1400" dirty="0">
-                <a:solidFill>
-                  <a:srgbClr val="FF0000"/>
-                </a:solidFill>
-              </a:rPr>
-              <a:t>メニュー</a:t>
-            </a:r>
-            <a:endParaRPr kumimoji="1" lang="ja-JP" altLang="en-US" sz="1400" dirty="0">
-              <a:solidFill>
-                <a:srgbClr val="FF0000"/>
-              </a:solidFill>
-            </a:endParaRPr>
-          </a:p>
-        </p:txBody>
-      </p:sp>
-      <p:sp>
-        <p:nvSpPr>
-          <p:cNvPr id="4" name="テキスト ボックス 3"/>
-          <p:cNvSpPr txBox="1"/>
-          <p:nvPr/>
-        </p:nvSpPr>
-        <p:spPr>
-          <a:xfrm>
-            <a:off x="2209800" y="1028700"/>
-            <a:ext cx="4648200" cy="1790700"/>
-          </a:xfrm>
-          <a:prstGeom prst="rect">
-            <a:avLst/>
-          </a:prstGeom>
-          <a:noFill/>
-        </p:spPr>
-        <p:txBody>
-          <a:bodyPr wrap="square" rtlCol="0">
-            <a:spAutoFit/>
-          </a:bodyPr>
-          <a:lstStyle/>
-          <a:p>
-            <a:endParaRPr kumimoji="1" lang="ja-JP" altLang="en-US" dirty="0"/>
-          </a:p>
-        </p:txBody>
-      </p:sp>
-      <p:pic>
-        <p:nvPicPr>
-          <p:cNvPr id="5" name="図 4"/>
-          <p:cNvPicPr>
-            <a:picLocks noChangeAspect="1"/>
-          </p:cNvPicPr>
-          <p:nvPr/>
-        </p:nvPicPr>
-        <p:blipFill>
-          <a:blip r:embed="rId2" cstate="print">
-            <a:extLst>
-              <a:ext uri="{28A0092B-C50C-407E-A947-70E740481C1C}">
-                <a14:useLocalDpi xmlns:a14="http://schemas.microsoft.com/office/drawing/2010/main" val="0"/>
-              </a:ext>
-            </a:extLst>
-          </a:blip>
-          <a:stretch>
-            <a:fillRect/>
-          </a:stretch>
-        </p:blipFill>
-        <p:spPr>
-          <a:xfrm>
-            <a:off x="0" y="850199"/>
-            <a:ext cx="6858000" cy="2147701"/>
-          </a:xfrm>
-          <a:prstGeom prst="rect">
-            <a:avLst/>
-          </a:prstGeom>
-        </p:spPr>
-      </p:pic>
-      <p:sp>
-        <p:nvSpPr>
-          <p:cNvPr id="9" name="テキスト ボックス 8"/>
-          <p:cNvSpPr txBox="1"/>
-          <p:nvPr/>
-        </p:nvSpPr>
-        <p:spPr>
-          <a:xfrm>
-            <a:off x="70187" y="3616526"/>
-            <a:ext cx="2076450" cy="1615827"/>
-          </a:xfrm>
-          <a:prstGeom prst="rect">
-            <a:avLst/>
-          </a:prstGeom>
-          <a:noFill/>
-        </p:spPr>
-        <p:txBody>
-          <a:bodyPr wrap="square" numCol="1" rtlCol="0">
-            <a:spAutoFit/>
-          </a:bodyPr>
-          <a:lstStyle/>
-          <a:p>
-            <a:r>
-              <a:rPr lang="ja-JP" altLang="en-US" sz="1200" u="sng" dirty="0" smtClean="0"/>
-              <a:t>こだわり出汁トマト鍋</a:t>
-            </a:r>
-            <a:endParaRPr lang="en-US" altLang="ja-JP" sz="1200" u="sng" dirty="0" smtClean="0"/>
-          </a:p>
-          <a:p>
-            <a:r>
-              <a:rPr lang="ja-JP" altLang="en-US" sz="1100" dirty="0" smtClean="0"/>
-              <a:t>当社</a:t>
-            </a:r>
-            <a:r>
-              <a:rPr lang="ja-JP" altLang="en-US" sz="1100" dirty="0"/>
-              <a:t>自慢の自家製ふぉーのスープをアレンジし、たっぷりトマトやお野菜、魚貝類や鶏肉が入った絶品鍋です！</a:t>
-            </a:r>
-            <a:br>
-              <a:rPr lang="ja-JP" altLang="en-US" sz="1100" dirty="0"/>
-            </a:br>
-            <a:r>
-              <a:rPr lang="ja-JP" altLang="en-US" sz="1100" dirty="0"/>
-              <a:t>煮込んでいくうちにスープが激ウマに！！！鍋の締めにはチーズリゾットを超オススメします！</a:t>
-            </a:r>
-            <a:r>
-              <a:rPr lang="ja-JP" altLang="en-US" sz="1100" dirty="0" smtClean="0"/>
-              <a:t>！</a:t>
-            </a:r>
-            <a:endParaRPr lang="en-US" altLang="ja-JP" sz="1100" dirty="0" smtClean="0"/>
-          </a:p>
-        </p:txBody>
-      </p:sp>
-      <p:sp>
-        <p:nvSpPr>
-          <p:cNvPr id="6" name="テキスト ボックス 5"/>
-          <p:cNvSpPr txBox="1"/>
-          <p:nvPr/>
-        </p:nvSpPr>
-        <p:spPr>
-          <a:xfrm>
-            <a:off x="2216824" y="3541813"/>
-            <a:ext cx="2362200" cy="1800493"/>
-          </a:xfrm>
-          <a:prstGeom prst="rect">
-            <a:avLst/>
-          </a:prstGeom>
-          <a:noFill/>
-        </p:spPr>
-        <p:txBody>
-          <a:bodyPr wrap="square" rtlCol="0">
-            <a:spAutoFit/>
-          </a:bodyPr>
-          <a:lstStyle/>
-          <a:p>
-            <a:r>
-              <a:rPr lang="ja-JP" altLang="en-US" sz="1200" u="sng" dirty="0"/>
-              <a:t>ピリ辛白湯鍋</a:t>
-            </a:r>
-            <a:endParaRPr lang="en-US" altLang="ja-JP" sz="1200" u="sng" dirty="0"/>
-          </a:p>
-          <a:p>
-            <a:r>
-              <a:rPr lang="ja-JP" altLang="en-US" sz="1100" dirty="0"/>
-              <a:t>とろー</a:t>
-            </a:r>
-            <a:r>
-              <a:rPr lang="ja-JP" altLang="en-US" sz="1100" dirty="0" err="1"/>
-              <a:t>り</a:t>
-            </a:r>
-            <a:r>
-              <a:rPr lang="ja-JP" altLang="en-US" sz="1100" dirty="0"/>
-              <a:t>濃厚でクセになるスープの中に、鶏肉、ホルモン、アンコウが入ったコラーゲンたっぷり鍋です！</a:t>
-            </a:r>
-            <a:br>
-              <a:rPr lang="ja-JP" altLang="en-US" sz="1100" dirty="0"/>
-            </a:br>
-            <a:r>
-              <a:rPr lang="ja-JP" altLang="en-US" sz="1100" dirty="0"/>
-              <a:t>アクセントには果物の柿が入っているんです！！想像を絶する美味しさですよ！！</a:t>
-            </a:r>
-            <a:br>
-              <a:rPr lang="ja-JP" altLang="en-US" sz="1100" dirty="0"/>
-            </a:br>
-            <a:r>
-              <a:rPr lang="ja-JP" altLang="en-US" sz="1100" dirty="0"/>
-              <a:t>お鍋の締めには、自家製ふぉー </a:t>
-            </a:r>
-            <a:r>
-              <a:rPr lang="en-US" altLang="ja-JP" sz="1100" dirty="0"/>
-              <a:t>or </a:t>
-            </a:r>
-            <a:r>
-              <a:rPr lang="ja-JP" altLang="en-US" sz="1100" dirty="0"/>
-              <a:t>雑炊がおすすめです！！</a:t>
-            </a:r>
-            <a:endParaRPr lang="en-US" altLang="ja-JP" sz="1100" dirty="0"/>
-          </a:p>
-        </p:txBody>
-      </p:sp>
-      <p:sp>
-        <p:nvSpPr>
-          <p:cNvPr id="7" name="テキスト ボックス 6"/>
-          <p:cNvSpPr txBox="1"/>
-          <p:nvPr/>
-        </p:nvSpPr>
-        <p:spPr>
-          <a:xfrm>
-            <a:off x="4719399" y="3541813"/>
-            <a:ext cx="2138601" cy="1615827"/>
-          </a:xfrm>
-          <a:prstGeom prst="rect">
-            <a:avLst/>
-          </a:prstGeom>
-          <a:noFill/>
-        </p:spPr>
-        <p:txBody>
-          <a:bodyPr vert="horz" wrap="square" rtlCol="0">
-            <a:spAutoFit/>
-          </a:bodyPr>
-          <a:lstStyle/>
-          <a:p>
-            <a:r>
-              <a:rPr lang="ja-JP" altLang="en-US" sz="1200" u="sng" dirty="0"/>
-              <a:t>絶品トムヤムクン鍋</a:t>
-            </a:r>
-            <a:endParaRPr lang="en-US" altLang="ja-JP" sz="1200" u="sng" dirty="0"/>
-          </a:p>
-          <a:p>
-            <a:r>
-              <a:rPr lang="ja-JP" altLang="en-US" sz="1100" dirty="0"/>
-              <a:t>辛味と酸味が特徴的で有名なタイ料理をお鍋にいたしました！！プリップリッな海老や、たくさんのお野菜が超美味しい！</a:t>
-            </a:r>
-            <a:br>
-              <a:rPr lang="ja-JP" altLang="en-US" sz="1100" dirty="0"/>
-            </a:br>
-            <a:r>
-              <a:rPr lang="ja-JP" altLang="en-US" sz="1100" dirty="0"/>
-              <a:t>お鍋の締めには、辛いスープと良くあう、自家製ふぉーをおすすめします！！</a:t>
-            </a:r>
-            <a:endParaRPr lang="en-US" altLang="ja-JP" sz="1100" dirty="0"/>
-          </a:p>
-        </p:txBody>
-      </p:sp>
-      <p:pic>
-        <p:nvPicPr>
-          <p:cNvPr id="8" name="図 7"/>
-          <p:cNvPicPr>
-            <a:picLocks noChangeAspect="1"/>
-          </p:cNvPicPr>
-          <p:nvPr/>
-        </p:nvPicPr>
-        <p:blipFill>
-          <a:blip r:embed="rId3" cstate="print">
-            <a:extLst>
-              <a:ext uri="{28A0092B-C50C-407E-A947-70E740481C1C}">
-                <a14:useLocalDpi xmlns:a14="http://schemas.microsoft.com/office/drawing/2010/main" val="0"/>
-              </a:ext>
-            </a:extLst>
-          </a:blip>
-          <a:stretch>
-            <a:fillRect/>
-          </a:stretch>
-        </p:blipFill>
-        <p:spPr>
-          <a:xfrm>
-            <a:off x="0" y="5660231"/>
-            <a:ext cx="3002706" cy="2683669"/>
-          </a:xfrm>
-          <a:prstGeom prst="rect">
-            <a:avLst/>
-          </a:prstGeom>
-        </p:spPr>
-      </p:pic>
-      <p:pic>
-        <p:nvPicPr>
-          <p:cNvPr id="10" name="図 9"/>
-          <p:cNvPicPr>
-            <a:picLocks noChangeAspect="1"/>
-          </p:cNvPicPr>
-          <p:nvPr/>
-        </p:nvPicPr>
-        <p:blipFill>
-          <a:blip r:embed="rId4" cstate="print">
-            <a:extLst>
-              <a:ext uri="{28A0092B-C50C-407E-A947-70E740481C1C}">
-                <a14:useLocalDpi xmlns:a14="http://schemas.microsoft.com/office/drawing/2010/main" val="0"/>
-              </a:ext>
-            </a:extLst>
-          </a:blip>
-          <a:stretch>
-            <a:fillRect/>
-          </a:stretch>
-        </p:blipFill>
-        <p:spPr>
-          <a:xfrm>
-            <a:off x="3429000" y="5597425"/>
-            <a:ext cx="3143250" cy="2809280"/>
-          </a:xfrm>
-          <a:prstGeom prst="rect">
-            <a:avLst/>
-          </a:prstGeom>
-        </p:spPr>
-      </p:pic>
-    </p:spTree>
-    <p:extLst>
-      <p:ext uri="{BB962C8B-B14F-4D97-AF65-F5344CB8AC3E}">
-        <p14:creationId xmlns:p14="http://schemas.microsoft.com/office/powerpoint/2010/main" val="4224662854"/>
-      </p:ext>
-    </p:extLst>
-  </p:cSld>
-  <p:clrMapOvr>
-    <a:masterClrMapping/>
-  </p:clrMapOvr>
-</p:sld>
-</file>
-
-<file path=ppt/slides/slide4.xml><?xml version="1.0" encoding="utf-8"?>
-<p:sld xmlns:a="http://schemas.openxmlformats.org/drawingml/2006/main" xmlns:r="http://schemas.openxmlformats.org/officeDocument/2006/relationships" xmlns:p="http://schemas.openxmlformats.org/presentationml/2006/main">
-  <p:cSld>
-    <p:spTree>
-      <p:nvGrpSpPr>
-        <p:cNvPr id="1" name=""/>
-        <p:cNvGrpSpPr/>
-        <p:nvPr/>
-      </p:nvGrpSpPr>
-      <p:grpSpPr>
-        <a:xfrm>
-          <a:off x="0" y="0"/>
-          <a:ext cx="0" cy="0"/>
-          <a:chOff x="0" y="0"/>
-          <a:chExt cx="0" cy="0"/>
-        </a:xfrm>
-      </p:grpSpPr>
-      <p:sp>
-        <p:nvSpPr>
-          <p:cNvPr id="2" name="タイトル 1"/>
-          <p:cNvSpPr>
-            <a:spLocks noGrp="1"/>
-          </p:cNvSpPr>
-          <p:nvPr>
-            <p:ph type="title"/>
-          </p:nvPr>
-        </p:nvSpPr>
-        <p:spPr>
-          <a:xfrm>
-            <a:off x="0" y="0"/>
             <a:ext cx="6858000" cy="666750"/>
           </a:xfrm>
           <a:solidFill>
@@ -6214,7 +5851,7 @@
 </p:sld>
 </file>
 
-<file path=ppt/slides/slide5.xml><?xml version="1.0" encoding="utf-8"?>
+<file path=ppt/slides/slide4.xml><?xml version="1.0" encoding="utf-8"?>
 <p:sld xmlns:a="http://schemas.openxmlformats.org/drawingml/2006/main" xmlns:r="http://schemas.openxmlformats.org/officeDocument/2006/relationships" xmlns:p="http://schemas.openxmlformats.org/presentationml/2006/main">
   <p:cSld>
     <p:spTree>

--- a/提出（学生が出す）ー岡本/AM/17546　ニャン/17546　ニャン.pptx
+++ b/提出（学生が出す）ー岡本/AM/17546　ニャン/17546　ニャン.pptx
@@ -246,7 +246,7 @@
           <a:p>
             <a:fld id="{242189A4-066C-4623-8831-1DB069A3AEB7}" type="datetimeFigureOut">
               <a:rPr kumimoji="1" lang="ja-JP" altLang="en-US" smtClean="0"/>
-              <a:t>2019/10/31</a:t>
+              <a:t>2019/11/21</a:t>
             </a:fld>
             <a:endParaRPr kumimoji="1" lang="ja-JP" altLang="en-US"/>
           </a:p>
@@ -448,7 +448,7 @@
           <a:p>
             <a:fld id="{242189A4-066C-4623-8831-1DB069A3AEB7}" type="datetimeFigureOut">
               <a:rPr kumimoji="1" lang="ja-JP" altLang="en-US" smtClean="0"/>
-              <a:t>2019/10/31</a:t>
+              <a:t>2019/11/21</a:t>
             </a:fld>
             <a:endParaRPr kumimoji="1" lang="ja-JP" altLang="en-US"/>
           </a:p>
@@ -660,7 +660,7 @@
           <a:p>
             <a:fld id="{242189A4-066C-4623-8831-1DB069A3AEB7}" type="datetimeFigureOut">
               <a:rPr kumimoji="1" lang="ja-JP" altLang="en-US" smtClean="0"/>
-              <a:t>2019/10/31</a:t>
+              <a:t>2019/11/21</a:t>
             </a:fld>
             <a:endParaRPr kumimoji="1" lang="ja-JP" altLang="en-US"/>
           </a:p>
@@ -862,7 +862,7 @@
           <a:p>
             <a:fld id="{242189A4-066C-4623-8831-1DB069A3AEB7}" type="datetimeFigureOut">
               <a:rPr kumimoji="1" lang="ja-JP" altLang="en-US" smtClean="0"/>
-              <a:t>2019/10/31</a:t>
+              <a:t>2019/11/21</a:t>
             </a:fld>
             <a:endParaRPr kumimoji="1" lang="ja-JP" altLang="en-US"/>
           </a:p>
@@ -1106,7 +1106,7 @@
           <a:p>
             <a:fld id="{242189A4-066C-4623-8831-1DB069A3AEB7}" type="datetimeFigureOut">
               <a:rPr kumimoji="1" lang="ja-JP" altLang="en-US" smtClean="0"/>
-              <a:t>2019/10/31</a:t>
+              <a:t>2019/11/21</a:t>
             </a:fld>
             <a:endParaRPr kumimoji="1" lang="ja-JP" altLang="en-US"/>
           </a:p>
@@ -1402,7 +1402,7 @@
           <a:p>
             <a:fld id="{242189A4-066C-4623-8831-1DB069A3AEB7}" type="datetimeFigureOut">
               <a:rPr kumimoji="1" lang="ja-JP" altLang="en-US" smtClean="0"/>
-              <a:t>2019/10/31</a:t>
+              <a:t>2019/11/21</a:t>
             </a:fld>
             <a:endParaRPr kumimoji="1" lang="ja-JP" altLang="en-US"/>
           </a:p>
@@ -1833,7 +1833,7 @@
           <a:p>
             <a:fld id="{242189A4-066C-4623-8831-1DB069A3AEB7}" type="datetimeFigureOut">
               <a:rPr kumimoji="1" lang="ja-JP" altLang="en-US" smtClean="0"/>
-              <a:t>2019/10/31</a:t>
+              <a:t>2019/11/21</a:t>
             </a:fld>
             <a:endParaRPr kumimoji="1" lang="ja-JP" altLang="en-US"/>
           </a:p>
@@ -1951,7 +1951,7 @@
           <a:p>
             <a:fld id="{242189A4-066C-4623-8831-1DB069A3AEB7}" type="datetimeFigureOut">
               <a:rPr kumimoji="1" lang="ja-JP" altLang="en-US" smtClean="0"/>
-              <a:t>2019/10/31</a:t>
+              <a:t>2019/11/21</a:t>
             </a:fld>
             <a:endParaRPr kumimoji="1" lang="ja-JP" altLang="en-US"/>
           </a:p>
@@ -2046,7 +2046,7 @@
           <a:p>
             <a:fld id="{242189A4-066C-4623-8831-1DB069A3AEB7}" type="datetimeFigureOut">
               <a:rPr kumimoji="1" lang="ja-JP" altLang="en-US" smtClean="0"/>
-              <a:t>2019/10/31</a:t>
+              <a:t>2019/11/21</a:t>
             </a:fld>
             <a:endParaRPr kumimoji="1" lang="ja-JP" altLang="en-US"/>
           </a:p>
@@ -2355,7 +2355,7 @@
           <a:p>
             <a:fld id="{242189A4-066C-4623-8831-1DB069A3AEB7}" type="datetimeFigureOut">
               <a:rPr kumimoji="1" lang="ja-JP" altLang="en-US" smtClean="0"/>
-              <a:t>2019/10/31</a:t>
+              <a:t>2019/11/21</a:t>
             </a:fld>
             <a:endParaRPr kumimoji="1" lang="ja-JP" altLang="en-US"/>
           </a:p>
@@ -2612,7 +2612,7 @@
           <a:p>
             <a:fld id="{242189A4-066C-4623-8831-1DB069A3AEB7}" type="datetimeFigureOut">
               <a:rPr kumimoji="1" lang="ja-JP" altLang="en-US" smtClean="0"/>
-              <a:t>2019/10/31</a:t>
+              <a:t>2019/11/21</a:t>
             </a:fld>
             <a:endParaRPr kumimoji="1" lang="ja-JP" altLang="en-US"/>
           </a:p>
@@ -2857,7 +2857,7 @@
           <a:p>
             <a:fld id="{242189A4-066C-4623-8831-1DB069A3AEB7}" type="datetimeFigureOut">
               <a:rPr kumimoji="1" lang="ja-JP" altLang="en-US" smtClean="0"/>
-              <a:t>2019/10/31</a:t>
+              <a:t>2019/11/21</a:t>
             </a:fld>
             <a:endParaRPr kumimoji="1" lang="ja-JP" altLang="en-US"/>
           </a:p>
@@ -3483,7 +3483,7 @@
         </p:nvSpPr>
         <p:spPr>
           <a:xfrm>
-            <a:off x="0" y="-133350"/>
+            <a:off x="0" y="-228600"/>
             <a:ext cx="6858000" cy="976836"/>
           </a:xfrm>
           <a:prstGeom prst="rect">
@@ -3510,7 +3510,7 @@
           <a:bodyPr rtlCol="0" anchor="ctr"/>
           <a:lstStyle/>
           <a:p>
-            <a:pPr algn="r"/>
+            <a:pPr algn="ctr"/>
             <a:r>
               <a:rPr kumimoji="1" lang="ja-JP" altLang="en-US" sz="1200" u="sng" dirty="0" smtClean="0">
                 <a:solidFill>
@@ -3601,36 +3601,6 @@
           </a:p>
         </p:txBody>
       </p:sp>
-      <p:pic>
-        <p:nvPicPr>
-          <p:cNvPr id="6" name="図 5"/>
-          <p:cNvPicPr>
-            <a:picLocks noChangeAspect="1"/>
-          </p:cNvPicPr>
-          <p:nvPr/>
-        </p:nvPicPr>
-        <p:blipFill>
-          <a:blip r:embed="rId2" cstate="print">
-            <a:extLst>
-              <a:ext uri="{28A0092B-C50C-407E-A947-70E740481C1C}">
-                <a14:useLocalDpi xmlns:a14="http://schemas.microsoft.com/office/drawing/2010/main" val="0"/>
-              </a:ext>
-            </a:extLst>
-          </a:blip>
-          <a:stretch>
-            <a:fillRect/>
-          </a:stretch>
-        </p:blipFill>
-        <p:spPr>
-          <a:xfrm>
-            <a:off x="76413" y="118828"/>
-            <a:ext cx="2647737" cy="566971"/>
-          </a:xfrm>
-          <a:prstGeom prst="rect">
-            <a:avLst/>
-          </a:prstGeom>
-        </p:spPr>
-      </p:pic>
       <p:sp>
         <p:nvSpPr>
           <p:cNvPr id="7" name="平行四辺形 6"/>
@@ -3680,7 +3650,7 @@
           <p:nvPr/>
         </p:nvPicPr>
         <p:blipFill>
-          <a:blip r:embed="rId3">
+          <a:blip r:embed="rId2">
             <a:extLst>
               <a:ext uri="{28A0092B-C50C-407E-A947-70E740481C1C}">
                 <a14:useLocalDpi xmlns:a14="http://schemas.microsoft.com/office/drawing/2010/main" val="0"/>
@@ -3710,7 +3680,7 @@
           <p:nvPr/>
         </p:nvPicPr>
         <p:blipFill>
-          <a:blip r:embed="rId4" cstate="print">
+          <a:blip r:embed="rId3" cstate="print">
             <a:extLst>
               <a:ext uri="{28A0092B-C50C-407E-A947-70E740481C1C}">
                 <a14:useLocalDpi xmlns:a14="http://schemas.microsoft.com/office/drawing/2010/main" val="0"/>
@@ -4017,7 +3987,7 @@
           <p:nvPr/>
         </p:nvPicPr>
         <p:blipFill>
-          <a:blip r:embed="rId5" cstate="print">
+          <a:blip r:embed="rId4" cstate="print">
             <a:extLst>
               <a:ext uri="{28A0092B-C50C-407E-A947-70E740481C1C}">
                 <a14:useLocalDpi xmlns:a14="http://schemas.microsoft.com/office/drawing/2010/main" val="0"/>
@@ -4191,7 +4161,7 @@
                     <a:lumOff val="15000"/>
                   </a:schemeClr>
                 </a:solidFill>
-                <a:hlinkClick r:id="rId6"/>
+                <a:hlinkClick r:id="rId5"/>
               </a:rPr>
               <a:t>プライバシーポリシー</a:t>
             </a:r>
@@ -5764,7 +5734,11 @@
             </a:br>
             <a:r>
               <a:rPr lang="en-US" altLang="ja-JP" sz="1000" dirty="0"/>
-              <a:t>¥350</a:t>
+              <a:t>¥</a:t>
+            </a:r>
+            <a:r>
+              <a:rPr lang="en-US" altLang="ja-JP" sz="1000" dirty="0" smtClean="0"/>
+              <a:t>380</a:t>
             </a:r>
             <a:r>
               <a:rPr lang="ja-JP" altLang="en-US" sz="1000" dirty="0"/>
@@ -6224,66 +6198,6 @@
           <a:xfrm>
             <a:off x="395288" y="3395048"/>
             <a:ext cx="2245519" cy="2116626"/>
-          </a:xfrm>
-          <a:prstGeom prst="rect">
-            <a:avLst/>
-          </a:prstGeom>
-        </p:spPr>
-      </p:pic>
-      <p:pic>
-        <p:nvPicPr>
-          <p:cNvPr id="5" name="図 4"/>
-          <p:cNvPicPr>
-            <a:picLocks noChangeAspect="1"/>
-          </p:cNvPicPr>
-          <p:nvPr/>
-        </p:nvPicPr>
-        <p:blipFill>
-          <a:blip r:embed="rId5" cstate="print">
-            <a:extLst>
-              <a:ext uri="{28A0092B-C50C-407E-A947-70E740481C1C}">
-                <a14:useLocalDpi xmlns:a14="http://schemas.microsoft.com/office/drawing/2010/main" val="0"/>
-              </a:ext>
-            </a:extLst>
-          </a:blip>
-          <a:stretch>
-            <a:fillRect/>
-          </a:stretch>
-        </p:blipFill>
-        <p:spPr>
-          <a:xfrm>
-            <a:off x="260747" y="7935868"/>
-            <a:ext cx="3093244" cy="1053019"/>
-          </a:xfrm>
-          <a:prstGeom prst="rect">
-            <a:avLst/>
-          </a:prstGeom>
-        </p:spPr>
-      </p:pic>
-      <p:pic>
-        <p:nvPicPr>
-          <p:cNvPr id="6" name="図 5"/>
-          <p:cNvPicPr>
-            <a:picLocks noChangeAspect="1"/>
-          </p:cNvPicPr>
-          <p:nvPr/>
-        </p:nvPicPr>
-        <p:blipFill>
-          <a:blip r:embed="rId6" cstate="print">
-            <a:extLst>
-              <a:ext uri="{28A0092B-C50C-407E-A947-70E740481C1C}">
-                <a14:useLocalDpi xmlns:a14="http://schemas.microsoft.com/office/drawing/2010/main" val="0"/>
-              </a:ext>
-            </a:extLst>
-          </a:blip>
-          <a:stretch>
-            <a:fillRect/>
-          </a:stretch>
-        </p:blipFill>
-        <p:spPr>
-          <a:xfrm>
-            <a:off x="3556397" y="7935868"/>
-            <a:ext cx="3093244" cy="1053019"/>
           </a:xfrm>
           <a:prstGeom prst="rect">
             <a:avLst/>

--- a/提出（学生が出す）ー岡本/AM/17546　ニャン/17546　ニャン.pptx
+++ b/提出（学生が出す）ー岡本/AM/17546　ニャン/17546　ニャン.pptx
@@ -6,9 +6,11 @@
   </p:sldMasterIdLst>
   <p:sldIdLst>
     <p:sldId id="256" r:id="rId2"/>
-    <p:sldId id="257" r:id="rId3"/>
-    <p:sldId id="259" r:id="rId4"/>
-    <p:sldId id="260" r:id="rId5"/>
+    <p:sldId id="261" r:id="rId3"/>
+    <p:sldId id="257" r:id="rId4"/>
+    <p:sldId id="259" r:id="rId5"/>
+    <p:sldId id="260" r:id="rId6"/>
+    <p:sldId id="262" r:id="rId7"/>
   </p:sldIdLst>
   <p:sldSz cx="6858000" cy="9906000" type="A4"/>
   <p:notesSz cx="9144000" cy="6858000"/>
@@ -246,7 +248,7 @@
           <a:p>
             <a:fld id="{242189A4-066C-4623-8831-1DB069A3AEB7}" type="datetimeFigureOut">
               <a:rPr kumimoji="1" lang="ja-JP" altLang="en-US" smtClean="0"/>
-              <a:t>2019/11/21</a:t>
+              <a:t>2019/12/16</a:t>
             </a:fld>
             <a:endParaRPr kumimoji="1" lang="ja-JP" altLang="en-US"/>
           </a:p>
@@ -448,7 +450,7 @@
           <a:p>
             <a:fld id="{242189A4-066C-4623-8831-1DB069A3AEB7}" type="datetimeFigureOut">
               <a:rPr kumimoji="1" lang="ja-JP" altLang="en-US" smtClean="0"/>
-              <a:t>2019/11/21</a:t>
+              <a:t>2019/12/16</a:t>
             </a:fld>
             <a:endParaRPr kumimoji="1" lang="ja-JP" altLang="en-US"/>
           </a:p>
@@ -660,7 +662,7 @@
           <a:p>
             <a:fld id="{242189A4-066C-4623-8831-1DB069A3AEB7}" type="datetimeFigureOut">
               <a:rPr kumimoji="1" lang="ja-JP" altLang="en-US" smtClean="0"/>
-              <a:t>2019/11/21</a:t>
+              <a:t>2019/12/16</a:t>
             </a:fld>
             <a:endParaRPr kumimoji="1" lang="ja-JP" altLang="en-US"/>
           </a:p>
@@ -862,7 +864,7 @@
           <a:p>
             <a:fld id="{242189A4-066C-4623-8831-1DB069A3AEB7}" type="datetimeFigureOut">
               <a:rPr kumimoji="1" lang="ja-JP" altLang="en-US" smtClean="0"/>
-              <a:t>2019/11/21</a:t>
+              <a:t>2019/12/16</a:t>
             </a:fld>
             <a:endParaRPr kumimoji="1" lang="ja-JP" altLang="en-US"/>
           </a:p>
@@ -1106,7 +1108,7 @@
           <a:p>
             <a:fld id="{242189A4-066C-4623-8831-1DB069A3AEB7}" type="datetimeFigureOut">
               <a:rPr kumimoji="1" lang="ja-JP" altLang="en-US" smtClean="0"/>
-              <a:t>2019/11/21</a:t>
+              <a:t>2019/12/16</a:t>
             </a:fld>
             <a:endParaRPr kumimoji="1" lang="ja-JP" altLang="en-US"/>
           </a:p>
@@ -1402,7 +1404,7 @@
           <a:p>
             <a:fld id="{242189A4-066C-4623-8831-1DB069A3AEB7}" type="datetimeFigureOut">
               <a:rPr kumimoji="1" lang="ja-JP" altLang="en-US" smtClean="0"/>
-              <a:t>2019/11/21</a:t>
+              <a:t>2019/12/16</a:t>
             </a:fld>
             <a:endParaRPr kumimoji="1" lang="ja-JP" altLang="en-US"/>
           </a:p>
@@ -1833,7 +1835,7 @@
           <a:p>
             <a:fld id="{242189A4-066C-4623-8831-1DB069A3AEB7}" type="datetimeFigureOut">
               <a:rPr kumimoji="1" lang="ja-JP" altLang="en-US" smtClean="0"/>
-              <a:t>2019/11/21</a:t>
+              <a:t>2019/12/16</a:t>
             </a:fld>
             <a:endParaRPr kumimoji="1" lang="ja-JP" altLang="en-US"/>
           </a:p>
@@ -1951,7 +1953,7 @@
           <a:p>
             <a:fld id="{242189A4-066C-4623-8831-1DB069A3AEB7}" type="datetimeFigureOut">
               <a:rPr kumimoji="1" lang="ja-JP" altLang="en-US" smtClean="0"/>
-              <a:t>2019/11/21</a:t>
+              <a:t>2019/12/16</a:t>
             </a:fld>
             <a:endParaRPr kumimoji="1" lang="ja-JP" altLang="en-US"/>
           </a:p>
@@ -2046,7 +2048,7 @@
           <a:p>
             <a:fld id="{242189A4-066C-4623-8831-1DB069A3AEB7}" type="datetimeFigureOut">
               <a:rPr kumimoji="1" lang="ja-JP" altLang="en-US" smtClean="0"/>
-              <a:t>2019/11/21</a:t>
+              <a:t>2019/12/16</a:t>
             </a:fld>
             <a:endParaRPr kumimoji="1" lang="ja-JP" altLang="en-US"/>
           </a:p>
@@ -2355,7 +2357,7 @@
           <a:p>
             <a:fld id="{242189A4-066C-4623-8831-1DB069A3AEB7}" type="datetimeFigureOut">
               <a:rPr kumimoji="1" lang="ja-JP" altLang="en-US" smtClean="0"/>
-              <a:t>2019/11/21</a:t>
+              <a:t>2019/12/16</a:t>
             </a:fld>
             <a:endParaRPr kumimoji="1" lang="ja-JP" altLang="en-US"/>
           </a:p>
@@ -2612,7 +2614,7 @@
           <a:p>
             <a:fld id="{242189A4-066C-4623-8831-1DB069A3AEB7}" type="datetimeFigureOut">
               <a:rPr kumimoji="1" lang="ja-JP" altLang="en-US" smtClean="0"/>
-              <a:t>2019/11/21</a:t>
+              <a:t>2019/12/16</a:t>
             </a:fld>
             <a:endParaRPr kumimoji="1" lang="ja-JP" altLang="en-US"/>
           </a:p>
@@ -2857,7 +2859,7 @@
           <a:p>
             <a:fld id="{242189A4-066C-4623-8831-1DB069A3AEB7}" type="datetimeFigureOut">
               <a:rPr kumimoji="1" lang="ja-JP" altLang="en-US" smtClean="0"/>
-              <a:t>2019/11/21</a:t>
+              <a:t>2019/12/16</a:t>
             </a:fld>
             <a:endParaRPr kumimoji="1" lang="ja-JP" altLang="en-US"/>
           </a:p>
@@ -3510,7 +3512,7 @@
           <a:bodyPr rtlCol="0" anchor="ctr"/>
           <a:lstStyle/>
           <a:p>
-            <a:pPr algn="ctr"/>
+            <a:pPr algn="r"/>
             <a:r>
               <a:rPr kumimoji="1" lang="ja-JP" altLang="en-US" sz="1200" u="sng" dirty="0" smtClean="0">
                 <a:solidFill>
@@ -4176,6 +4178,36 @@
           </a:p>
         </p:txBody>
       </p:sp>
+      <p:pic>
+        <p:nvPicPr>
+          <p:cNvPr id="2" name="図 1"/>
+          <p:cNvPicPr>
+            <a:picLocks noChangeAspect="1"/>
+          </p:cNvPicPr>
+          <p:nvPr/>
+        </p:nvPicPr>
+        <p:blipFill>
+          <a:blip r:embed="rId6">
+            <a:extLst>
+              <a:ext uri="{28A0092B-C50C-407E-A947-70E740481C1C}">
+                <a14:useLocalDpi xmlns:a14="http://schemas.microsoft.com/office/drawing/2010/main" val="0"/>
+              </a:ext>
+            </a:extLst>
+          </a:blip>
+          <a:stretch>
+            <a:fillRect/>
+          </a:stretch>
+        </p:blipFill>
+        <p:spPr>
+          <a:xfrm>
+            <a:off x="95036" y="-108058"/>
+            <a:ext cx="2419563" cy="856294"/>
+          </a:xfrm>
+          <a:prstGeom prst="rect">
+            <a:avLst/>
+          </a:prstGeom>
+        </p:spPr>
+      </p:pic>
     </p:spTree>
     <p:extLst>
       <p:ext uri="{BB962C8B-B14F-4D97-AF65-F5344CB8AC3E}">
@@ -4226,12 +4258,12 @@
         <p:spPr>
           <a:xfrm>
             <a:off x="0" y="0"/>
-            <a:ext cx="6857999" cy="628650"/>
+            <a:ext cx="6858000" cy="723900"/>
           </a:xfrm>
           <a:solidFill>
             <a:schemeClr val="accent2">
-              <a:lumMod val="20000"/>
-              <a:lumOff val="80000"/>
+              <a:lumMod val="40000"/>
+              <a:lumOff val="60000"/>
             </a:schemeClr>
           </a:solidFill>
         </p:spPr>
@@ -4243,14 +4275,14 @@
           <a:p>
             <a:pPr algn="ctr"/>
             <a:r>
-              <a:rPr kumimoji="1" lang="ja-JP" altLang="en-US" sz="1400" dirty="0" smtClean="0">
+              <a:rPr kumimoji="1" lang="ja-JP" altLang="en-US" u="sng" dirty="0" smtClean="0">
                 <a:solidFill>
                   <a:srgbClr val="FF0000"/>
                 </a:solidFill>
               </a:rPr>
-              <a:t>セットメニュー</a:t>
-            </a:r>
-            <a:endParaRPr kumimoji="1" lang="ja-JP" altLang="en-US" sz="1400" dirty="0">
+              <a:t>メニュー</a:t>
+            </a:r>
+            <a:endParaRPr kumimoji="1" lang="ja-JP" altLang="en-US" u="sng" dirty="0">
               <a:solidFill>
                 <a:srgbClr val="FF0000"/>
               </a:solidFill>
@@ -4260,7 +4292,7 @@
       </p:sp>
       <p:pic>
         <p:nvPicPr>
-          <p:cNvPr id="10" name="図 9"/>
+          <p:cNvPr id="3" name="図 2"/>
           <p:cNvPicPr>
             <a:picLocks noChangeAspect="1"/>
           </p:cNvPicPr>
@@ -4280,8 +4312,8 @@
         </p:blipFill>
         <p:spPr>
           <a:xfrm>
-            <a:off x="399831" y="852783"/>
-            <a:ext cx="2800566" cy="1519267"/>
+            <a:off x="306304" y="891972"/>
+            <a:ext cx="2913145" cy="1775569"/>
           </a:xfrm>
           <a:prstGeom prst="rect">
             <a:avLst/>
@@ -4290,7 +4322,7 @@
       </p:pic>
       <p:pic>
         <p:nvPicPr>
-          <p:cNvPr id="11" name="図 10"/>
+          <p:cNvPr id="4" name="図 3"/>
           <p:cNvPicPr>
             <a:picLocks noChangeAspect="1"/>
           </p:cNvPicPr>
@@ -4310,14 +4342,388 @@
         </p:blipFill>
         <p:spPr>
           <a:xfrm>
-            <a:off x="3829048" y="846259"/>
-            <a:ext cx="2705101" cy="1519107"/>
+            <a:off x="3581517" y="863108"/>
+            <a:ext cx="2913145" cy="1778071"/>
           </a:xfrm>
           <a:prstGeom prst="rect">
             <a:avLst/>
           </a:prstGeom>
         </p:spPr>
       </p:pic>
+      <p:sp>
+        <p:nvSpPr>
+          <p:cNvPr id="5" name="テキスト ボックス 4"/>
+          <p:cNvSpPr txBox="1"/>
+          <p:nvPr/>
+        </p:nvSpPr>
+        <p:spPr>
+          <a:xfrm>
+            <a:off x="209549" y="2723621"/>
+            <a:ext cx="3009900" cy="769441"/>
+          </a:xfrm>
+          <a:prstGeom prst="rect">
+            <a:avLst/>
+          </a:prstGeom>
+          <a:noFill/>
+        </p:spPr>
+        <p:txBody>
+          <a:bodyPr wrap="square" rtlCol="0">
+            <a:spAutoFit/>
+          </a:bodyPr>
+          <a:lstStyle/>
+          <a:p>
+            <a:r>
+              <a:rPr lang="ja-JP" altLang="en-US" sz="1100" dirty="0"/>
+              <a:t>ふぉー・がー（鶏のふぉー</a:t>
+            </a:r>
+            <a:r>
+              <a:rPr lang="ja-JP" altLang="en-US" sz="1100" dirty="0" smtClean="0"/>
+              <a:t>）</a:t>
+            </a:r>
+            <a:endParaRPr lang="en-US" altLang="ja-JP" sz="1100" dirty="0" smtClean="0"/>
+          </a:p>
+          <a:p>
+            <a:r>
+              <a:rPr lang="ja-JP" altLang="en-US" sz="1100" dirty="0" err="1"/>
+              <a:t>鶏もも肉を</a:t>
+            </a:r>
+            <a:r>
+              <a:rPr lang="ja-JP" altLang="en-US" sz="1100" dirty="0"/>
+              <a:t>トッピング！あっさりとヘルシー！当店Ｎｏ</a:t>
+            </a:r>
+            <a:r>
+              <a:rPr lang="en-US" altLang="ja-JP" sz="1100" dirty="0"/>
+              <a:t>1 </a:t>
+            </a:r>
+            <a:r>
+              <a:rPr lang="ja-JP" altLang="en-US" sz="1100" dirty="0"/>
+              <a:t>メニューです！</a:t>
+            </a:r>
+          </a:p>
+          <a:p>
+            <a:r>
+              <a:rPr lang="ja-JP" altLang="en-US" sz="1100" dirty="0"/>
+              <a:t>￥</a:t>
+            </a:r>
+            <a:r>
+              <a:rPr lang="en-US" altLang="ja-JP" sz="1100" dirty="0"/>
+              <a:t>780</a:t>
+            </a:r>
+            <a:r>
+              <a:rPr lang="ja-JP" altLang="en-US" sz="1100" dirty="0"/>
+              <a:t>（税込</a:t>
+            </a:r>
+            <a:r>
+              <a:rPr lang="ja-JP" altLang="en-US" sz="1100" dirty="0" smtClean="0"/>
+              <a:t>）</a:t>
+            </a:r>
+            <a:endParaRPr lang="ja-JP" altLang="en-US" sz="1100" dirty="0"/>
+          </a:p>
+        </p:txBody>
+      </p:sp>
+      <p:sp>
+        <p:nvSpPr>
+          <p:cNvPr id="7" name="テキスト ボックス 6"/>
+          <p:cNvSpPr txBox="1"/>
+          <p:nvPr/>
+        </p:nvSpPr>
+        <p:spPr>
+          <a:xfrm>
+            <a:off x="3467334" y="2700881"/>
+            <a:ext cx="3295650" cy="769441"/>
+          </a:xfrm>
+          <a:prstGeom prst="rect">
+            <a:avLst/>
+          </a:prstGeom>
+          <a:noFill/>
+        </p:spPr>
+        <p:txBody>
+          <a:bodyPr wrap="square" rtlCol="0">
+            <a:spAutoFit/>
+          </a:bodyPr>
+          <a:lstStyle/>
+          <a:p>
+            <a:r>
+              <a:rPr lang="ja-JP" altLang="en-US" sz="1100" dirty="0"/>
+              <a:t>ふぉー・ぼー（牛のふぉー）</a:t>
+            </a:r>
+          </a:p>
+          <a:p>
+            <a:r>
+              <a:rPr lang="ja-JP" altLang="en-US" sz="1100" dirty="0"/>
+              <a:t>牛バラ・モモをトッピング！２種類の味が楽しめちゃいます！</a:t>
+            </a:r>
+          </a:p>
+          <a:p>
+            <a:r>
+              <a:rPr lang="ja-JP" altLang="en-US" sz="1100" dirty="0"/>
+              <a:t>￥</a:t>
+            </a:r>
+            <a:r>
+              <a:rPr lang="en-US" altLang="ja-JP" sz="1100" dirty="0"/>
+              <a:t>850</a:t>
+            </a:r>
+            <a:r>
+              <a:rPr lang="ja-JP" altLang="en-US" sz="1100" dirty="0"/>
+              <a:t>（税込</a:t>
+            </a:r>
+            <a:r>
+              <a:rPr lang="ja-JP" altLang="en-US" sz="1100" dirty="0" smtClean="0"/>
+              <a:t>）</a:t>
+            </a:r>
+            <a:endParaRPr lang="ja-JP" altLang="en-US" sz="1100" dirty="0"/>
+          </a:p>
+        </p:txBody>
+      </p:sp>
+      <p:sp>
+        <p:nvSpPr>
+          <p:cNvPr id="8" name="テキスト ボックス 7"/>
+          <p:cNvSpPr txBox="1"/>
+          <p:nvPr/>
+        </p:nvSpPr>
+        <p:spPr>
+          <a:xfrm>
+            <a:off x="209549" y="5217578"/>
+            <a:ext cx="3009900" cy="769441"/>
+          </a:xfrm>
+          <a:prstGeom prst="rect">
+            <a:avLst/>
+          </a:prstGeom>
+          <a:noFill/>
+        </p:spPr>
+        <p:txBody>
+          <a:bodyPr wrap="square" rtlCol="0">
+            <a:spAutoFit/>
+          </a:bodyPr>
+          <a:lstStyle/>
+          <a:p>
+            <a:r>
+              <a:rPr lang="ja-JP" altLang="en-US" sz="1100" dirty="0"/>
+              <a:t>春あさりのふぉー</a:t>
+            </a:r>
+          </a:p>
+          <a:p>
+            <a:r>
+              <a:rPr lang="ja-JP" altLang="en-US" sz="1100" dirty="0"/>
+              <a:t>焼酎で酒蒸ししたあさりとネギをトッピング！コクのあるスープが絶品です</a:t>
+            </a:r>
+            <a:r>
+              <a:rPr lang="ja-JP" altLang="en-US" sz="1100" dirty="0" smtClean="0"/>
+              <a:t>！</a:t>
+            </a:r>
+            <a:endParaRPr lang="en-US" altLang="ja-JP" sz="1100" dirty="0" smtClean="0"/>
+          </a:p>
+          <a:p>
+            <a:r>
+              <a:rPr lang="ja-JP" altLang="en-US" sz="1100" dirty="0" smtClean="0"/>
+              <a:t>￥</a:t>
+            </a:r>
+            <a:r>
+              <a:rPr lang="en-US" altLang="ja-JP" sz="1100" dirty="0"/>
+              <a:t>850</a:t>
+            </a:r>
+            <a:r>
+              <a:rPr lang="ja-JP" altLang="en-US" sz="1100" dirty="0"/>
+              <a:t>（税込</a:t>
+            </a:r>
+            <a:r>
+              <a:rPr lang="ja-JP" altLang="en-US" sz="1100" dirty="0" smtClean="0"/>
+              <a:t>）</a:t>
+            </a:r>
+            <a:endParaRPr lang="ja-JP" altLang="en-US" sz="1100" dirty="0"/>
+          </a:p>
+        </p:txBody>
+      </p:sp>
+      <p:sp>
+        <p:nvSpPr>
+          <p:cNvPr id="9" name="テキスト ボックス 8"/>
+          <p:cNvSpPr txBox="1"/>
+          <p:nvPr/>
+        </p:nvSpPr>
+        <p:spPr>
+          <a:xfrm>
+            <a:off x="3418873" y="5217578"/>
+            <a:ext cx="3344111" cy="938719"/>
+          </a:xfrm>
+          <a:prstGeom prst="rect">
+            <a:avLst/>
+          </a:prstGeom>
+          <a:noFill/>
+        </p:spPr>
+        <p:txBody>
+          <a:bodyPr wrap="square" rtlCol="0">
+            <a:spAutoFit/>
+          </a:bodyPr>
+          <a:lstStyle/>
+          <a:p>
+            <a:r>
+              <a:rPr lang="ja-JP" altLang="en-US" sz="1100" dirty="0"/>
+              <a:t>辛海鮮ふぉー</a:t>
+            </a:r>
+          </a:p>
+          <a:p>
+            <a:r>
+              <a:rPr lang="ja-JP" altLang="en-US" sz="1100" dirty="0"/>
+              <a:t>えび・イカ・ホタテをトッピング！ピリ辛海鮮スープが超美味しい！辛いのがお好きな方におすすめのふぉーです</a:t>
+            </a:r>
+          </a:p>
+          <a:p>
+            <a:r>
+              <a:rPr lang="ja-JP" altLang="en-US" sz="1100" dirty="0"/>
+              <a:t>￥</a:t>
+            </a:r>
+            <a:r>
+              <a:rPr lang="en-US" altLang="ja-JP" sz="1100" dirty="0"/>
+              <a:t>850</a:t>
+            </a:r>
+            <a:r>
+              <a:rPr lang="ja-JP" altLang="en-US" sz="1100" dirty="0"/>
+              <a:t>（税込</a:t>
+            </a:r>
+            <a:r>
+              <a:rPr lang="ja-JP" altLang="en-US" sz="1100" dirty="0" smtClean="0"/>
+              <a:t>）</a:t>
+            </a:r>
+            <a:endParaRPr lang="ja-JP" altLang="en-US" sz="1100" dirty="0"/>
+          </a:p>
+        </p:txBody>
+      </p:sp>
+      <p:sp>
+        <p:nvSpPr>
+          <p:cNvPr id="10" name="テキスト ボックス 9"/>
+          <p:cNvSpPr txBox="1"/>
+          <p:nvPr/>
+        </p:nvSpPr>
+        <p:spPr>
+          <a:xfrm>
+            <a:off x="301095" y="8180070"/>
+            <a:ext cx="2847340" cy="1446550"/>
+          </a:xfrm>
+          <a:prstGeom prst="rect">
+            <a:avLst/>
+          </a:prstGeom>
+          <a:noFill/>
+        </p:spPr>
+        <p:txBody>
+          <a:bodyPr wrap="square" rtlCol="0">
+            <a:spAutoFit/>
+          </a:bodyPr>
+          <a:lstStyle/>
+          <a:p>
+            <a:r>
+              <a:rPr lang="ja-JP" altLang="en-US" sz="1100" dirty="0"/>
+              <a:t>じゃ～じゃ～風汁なしふぉー</a:t>
+            </a:r>
+          </a:p>
+          <a:p>
+            <a:r>
+              <a:rPr lang="ja-JP" altLang="en-US" sz="1100" dirty="0"/>
+              <a:t>甘辛い味噌に麺がよくからみ、やみつきになる味！最後におすすめは、残った</a:t>
+            </a:r>
+            <a:r>
+              <a:rPr lang="ja-JP" altLang="en-US" sz="1100" dirty="0" err="1"/>
+              <a:t>じゃあじゃに</a:t>
+            </a:r>
+            <a:r>
+              <a:rPr lang="ja-JP" altLang="en-US" sz="1100" dirty="0"/>
+              <a:t>ジャスミンライスを入れて食べると凄く美味しいんです！！！</a:t>
+            </a:r>
+          </a:p>
+          <a:p>
+            <a:r>
+              <a:rPr lang="en-US" altLang="ja-JP" sz="1100" dirty="0"/>
+              <a:t>※</a:t>
+            </a:r>
+            <a:r>
+              <a:rPr lang="ja-JP" altLang="en-US" sz="1100" dirty="0"/>
+              <a:t>辛さはお好みで調節できます。お申し付け下さい</a:t>
+            </a:r>
+            <a:r>
+              <a:rPr lang="ja-JP" altLang="en-US" sz="1100" dirty="0" smtClean="0"/>
+              <a:t>。</a:t>
+            </a:r>
+            <a:endParaRPr lang="en-US" altLang="ja-JP" sz="1100" dirty="0" smtClean="0"/>
+          </a:p>
+          <a:p>
+            <a:r>
+              <a:rPr lang="ja-JP" altLang="en-US" sz="1100" dirty="0" smtClean="0"/>
+              <a:t>￥</a:t>
+            </a:r>
+            <a:r>
+              <a:rPr lang="en-US" altLang="ja-JP" sz="1100" dirty="0"/>
+              <a:t>850</a:t>
+            </a:r>
+            <a:r>
+              <a:rPr lang="ja-JP" altLang="en-US" sz="1100" dirty="0"/>
+              <a:t>（税込</a:t>
+            </a:r>
+            <a:r>
+              <a:rPr lang="ja-JP" altLang="en-US" sz="1100" dirty="0" smtClean="0"/>
+              <a:t>）</a:t>
+            </a:r>
+            <a:endParaRPr kumimoji="1" lang="en-US" altLang="ja-JP" sz="1100" dirty="0"/>
+          </a:p>
+        </p:txBody>
+      </p:sp>
+      <p:sp>
+        <p:nvSpPr>
+          <p:cNvPr id="11" name="テキスト ボックス 10"/>
+          <p:cNvSpPr txBox="1"/>
+          <p:nvPr/>
+        </p:nvSpPr>
+        <p:spPr>
+          <a:xfrm>
+            <a:off x="3418873" y="8180070"/>
+            <a:ext cx="3114040" cy="769441"/>
+          </a:xfrm>
+          <a:prstGeom prst="rect">
+            <a:avLst/>
+          </a:prstGeom>
+          <a:noFill/>
+        </p:spPr>
+        <p:txBody>
+          <a:bodyPr wrap="square" rtlCol="0">
+            <a:spAutoFit/>
+          </a:bodyPr>
+          <a:lstStyle/>
+          <a:p>
+            <a:r>
+              <a:rPr lang="ja-JP" altLang="en-US" sz="1100" dirty="0"/>
+              <a:t>海老とたっぷり野菜の汁なしふぉー</a:t>
+            </a:r>
+          </a:p>
+          <a:p>
+            <a:r>
+              <a:rPr lang="ja-JP" altLang="en-US" sz="1100" dirty="0"/>
+              <a:t>プリップリの海老とたっぷりの野菜にアジアン風味のタレを混ぜて食べるふぉー</a:t>
+            </a:r>
+            <a:r>
+              <a:rPr lang="ja-JP" altLang="en-US" sz="1100" dirty="0" smtClean="0"/>
+              <a:t>！</a:t>
+            </a:r>
+            <a:endParaRPr lang="en-US" altLang="ja-JP" sz="1100" dirty="0" smtClean="0"/>
+          </a:p>
+          <a:p>
+            <a:r>
+              <a:rPr lang="ja-JP" altLang="en-US" sz="1100" dirty="0" smtClean="0"/>
+              <a:t>￥</a:t>
+            </a:r>
+            <a:r>
+              <a:rPr lang="en-US" altLang="ja-JP" sz="1100" dirty="0"/>
+              <a:t>850</a:t>
+            </a:r>
+            <a:r>
+              <a:rPr lang="ja-JP" altLang="en-US" sz="1100" dirty="0"/>
+              <a:t>（税込</a:t>
+            </a:r>
+            <a:r>
+              <a:rPr lang="ja-JP" altLang="en-US" sz="1100" dirty="0" smtClean="0"/>
+              <a:t>）</a:t>
+            </a:r>
+            <a:endParaRPr lang="ja-JP" altLang="en-US" sz="1100" dirty="0"/>
+          </a:p>
+        </p:txBody>
+      </p:sp>
       <p:pic>
         <p:nvPicPr>
           <p:cNvPr id="12" name="図 11"/>
@@ -4340,8 +4746,8 @@
         </p:blipFill>
         <p:spPr>
           <a:xfrm>
-            <a:off x="399833" y="6989521"/>
-            <a:ext cx="2800563" cy="1519268"/>
+            <a:off x="286561" y="3470322"/>
+            <a:ext cx="2932888" cy="1737596"/>
           </a:xfrm>
           <a:prstGeom prst="rect">
             <a:avLst/>
@@ -4350,7 +4756,7 @@
       </p:pic>
       <p:pic>
         <p:nvPicPr>
-          <p:cNvPr id="14" name="図 13"/>
+          <p:cNvPr id="13" name="図 12"/>
           <p:cNvPicPr>
             <a:picLocks noChangeAspect="1"/>
           </p:cNvPicPr>
@@ -4370,8 +4776,8 @@
         </p:blipFill>
         <p:spPr>
           <a:xfrm>
-            <a:off x="3829048" y="3796513"/>
-            <a:ext cx="2705100" cy="1519268"/>
+            <a:off x="3581516" y="3470323"/>
+            <a:ext cx="2913145" cy="1737595"/>
           </a:xfrm>
           <a:prstGeom prst="rect">
             <a:avLst/>
@@ -4380,7 +4786,7 @@
       </p:pic>
       <p:pic>
         <p:nvPicPr>
-          <p:cNvPr id="15" name="図 14"/>
+          <p:cNvPr id="14" name="図 13"/>
           <p:cNvPicPr>
             <a:picLocks noChangeAspect="1"/>
           </p:cNvPicPr>
@@ -4400,8 +4806,8 @@
         </p:blipFill>
         <p:spPr>
           <a:xfrm>
-            <a:off x="390195" y="3796514"/>
-            <a:ext cx="2800565" cy="1519268"/>
+            <a:off x="301095" y="6300471"/>
+            <a:ext cx="2903820" cy="1737596"/>
           </a:xfrm>
           <a:prstGeom prst="rect">
             <a:avLst/>
@@ -4410,7 +4816,7 @@
       </p:pic>
       <p:pic>
         <p:nvPicPr>
-          <p:cNvPr id="16" name="図 15"/>
+          <p:cNvPr id="15" name="図 14"/>
           <p:cNvPicPr>
             <a:picLocks noChangeAspect="1"/>
           </p:cNvPicPr>
@@ -4430,539 +4836,18 @@
         </p:blipFill>
         <p:spPr>
           <a:xfrm>
-            <a:off x="3829048" y="6989522"/>
-            <a:ext cx="2705100" cy="1519268"/>
+            <a:off x="3576307" y="6300471"/>
+            <a:ext cx="2918354" cy="1740992"/>
           </a:xfrm>
           <a:prstGeom prst="rect">
             <a:avLst/>
           </a:prstGeom>
         </p:spPr>
       </p:pic>
-      <p:sp>
-        <p:nvSpPr>
-          <p:cNvPr id="17" name="テキスト ボックス 16"/>
-          <p:cNvSpPr txBox="1"/>
-          <p:nvPr/>
-        </p:nvSpPr>
-        <p:spPr>
-          <a:xfrm>
-            <a:off x="399831" y="2372051"/>
-            <a:ext cx="2800565" cy="1369606"/>
-          </a:xfrm>
-          <a:prstGeom prst="rect">
-            <a:avLst/>
-          </a:prstGeom>
-          <a:noFill/>
-        </p:spPr>
-        <p:txBody>
-          <a:bodyPr wrap="square" rtlCol="0">
-            <a:spAutoFit/>
-          </a:bodyPr>
-          <a:lstStyle/>
-          <a:p>
-            <a:pPr fontAlgn="base"/>
-            <a:r>
-              <a:rPr lang="en-US" altLang="ja-JP" sz="1100" b="1" dirty="0"/>
-              <a:t>A</a:t>
-            </a:r>
-            <a:r>
-              <a:rPr lang="ja-JP" altLang="en-US" sz="1100" b="1" dirty="0"/>
-              <a:t>セット　</a:t>
-            </a:r>
-            <a:br>
-              <a:rPr lang="ja-JP" altLang="en-US" sz="1100" b="1" dirty="0"/>
-            </a:br>
-            <a:r>
-              <a:rPr lang="ja-JP" altLang="en-US" sz="1100" b="1" dirty="0"/>
-              <a:t>満腹セット</a:t>
-            </a:r>
-          </a:p>
-          <a:p>
-            <a:pPr fontAlgn="base"/>
-            <a:r>
-              <a:rPr lang="ja-JP" altLang="en-US" sz="1100" b="1" dirty="0"/>
-              <a:t>男性のお客様に超おすすめです！</a:t>
-            </a:r>
-            <a:r>
-              <a:rPr lang="ja-JP" altLang="en-US" dirty="0"/>
-              <a:t/>
-            </a:r>
-            <a:br>
-              <a:rPr lang="ja-JP" altLang="en-US" dirty="0"/>
-            </a:br>
-            <a:r>
-              <a:rPr lang="ja-JP" altLang="en-US" sz="1000" dirty="0"/>
-              <a:t>（お好きなふぉー・ベトナム唐揚げ</a:t>
-            </a:r>
-            <a:r>
-              <a:rPr lang="en-US" altLang="ja-JP" sz="1000" dirty="0"/>
-              <a:t>2</a:t>
-            </a:r>
-            <a:r>
-              <a:rPr lang="ja-JP" altLang="en-US" sz="1000" dirty="0"/>
-              <a:t>コ・生春巻き</a:t>
-            </a:r>
-            <a:r>
-              <a:rPr lang="en-US" altLang="ja-JP" sz="1000" dirty="0"/>
-              <a:t>1</a:t>
-            </a:r>
-            <a:r>
-              <a:rPr lang="ja-JP" altLang="en-US" sz="1000" dirty="0"/>
-              <a:t>コ・ジャスミンライス・自家製なます）</a:t>
-            </a:r>
-            <a:br>
-              <a:rPr lang="ja-JP" altLang="en-US" sz="1000" dirty="0"/>
-            </a:br>
-            <a:r>
-              <a:rPr lang="en-US" altLang="ja-JP" sz="1000" dirty="0"/>
-              <a:t>¥1,200</a:t>
-            </a:r>
-            <a:r>
-              <a:rPr lang="ja-JP" altLang="en-US" sz="1000" dirty="0"/>
-              <a:t>～（税込）</a:t>
-            </a:r>
-            <a:br>
-              <a:rPr lang="ja-JP" altLang="en-US" sz="1000" dirty="0"/>
-            </a:br>
-            <a:r>
-              <a:rPr lang="ja-JP" altLang="en-US" sz="1000" dirty="0"/>
-              <a:t>価格はふぉーによって変わります。</a:t>
-            </a:r>
-            <a:r>
-              <a:rPr lang="en-US" altLang="ja-JP" sz="1000" dirty="0"/>
-              <a:t>※</a:t>
-            </a:r>
-            <a:r>
-              <a:rPr lang="ja-JP" altLang="en-US" sz="1000" dirty="0"/>
-              <a:t>写真はふぉー・がー（鶏のふぉー</a:t>
-            </a:r>
-            <a:r>
-              <a:rPr lang="ja-JP" altLang="en-US" sz="1000" dirty="0" smtClean="0"/>
-              <a:t>）</a:t>
-            </a:r>
-            <a:endParaRPr lang="ja-JP" altLang="en-US" sz="1000" dirty="0"/>
-          </a:p>
-        </p:txBody>
-      </p:sp>
-      <p:sp>
-        <p:nvSpPr>
-          <p:cNvPr id="18" name="テキスト ボックス 17"/>
-          <p:cNvSpPr txBox="1"/>
-          <p:nvPr/>
-        </p:nvSpPr>
-        <p:spPr>
-          <a:xfrm>
-            <a:off x="3714855" y="2372051"/>
-            <a:ext cx="2819293" cy="1200329"/>
-          </a:xfrm>
-          <a:prstGeom prst="rect">
-            <a:avLst/>
-          </a:prstGeom>
-          <a:noFill/>
-        </p:spPr>
-        <p:txBody>
-          <a:bodyPr wrap="square" rtlCol="0">
-            <a:spAutoFit/>
-          </a:bodyPr>
-          <a:lstStyle/>
-          <a:p>
-            <a:pPr fontAlgn="base"/>
-            <a:r>
-              <a:rPr lang="en-US" altLang="ja-JP" sz="1100" b="1" dirty="0"/>
-              <a:t>B</a:t>
-            </a:r>
-            <a:r>
-              <a:rPr lang="ja-JP" altLang="en-US" sz="1100" b="1" dirty="0"/>
-              <a:t>セット</a:t>
-            </a:r>
-            <a:br>
-              <a:rPr lang="ja-JP" altLang="en-US" sz="1100" b="1" dirty="0"/>
-            </a:br>
-            <a:r>
-              <a:rPr lang="ja-JP" altLang="en-US" sz="1100" b="1" dirty="0"/>
-              <a:t>有頭海老とブロッコリーのブイヤベース風</a:t>
-            </a:r>
-            <a:br>
-              <a:rPr lang="ja-JP" altLang="en-US" sz="1100" b="1" dirty="0"/>
-            </a:br>
-            <a:r>
-              <a:rPr lang="ja-JP" altLang="en-US" sz="1100" b="1" dirty="0"/>
-              <a:t>ジャスミンライス添え</a:t>
-            </a:r>
-          </a:p>
-          <a:p>
-            <a:pPr fontAlgn="base"/>
-            <a:r>
-              <a:rPr lang="ja-JP" altLang="en-US" dirty="0"/>
-              <a:t> </a:t>
-            </a:r>
-            <a:br>
-              <a:rPr lang="ja-JP" altLang="en-US" dirty="0"/>
-            </a:br>
-            <a:r>
-              <a:rPr lang="en-US" altLang="ja-JP" sz="1000" dirty="0"/>
-              <a:t>¥1,000</a:t>
-            </a:r>
-            <a:r>
-              <a:rPr lang="ja-JP" altLang="en-US" sz="1000" dirty="0"/>
-              <a:t>（税込</a:t>
-            </a:r>
-            <a:r>
-              <a:rPr lang="ja-JP" altLang="en-US" sz="1000" dirty="0" smtClean="0"/>
-              <a:t>）</a:t>
-            </a:r>
-            <a:endParaRPr lang="ja-JP" altLang="en-US" sz="1000" dirty="0"/>
-          </a:p>
-        </p:txBody>
-      </p:sp>
-      <p:sp>
-        <p:nvSpPr>
-          <p:cNvPr id="19" name="テキスト ボックス 18"/>
-          <p:cNvSpPr txBox="1"/>
-          <p:nvPr/>
-        </p:nvSpPr>
-        <p:spPr>
-          <a:xfrm>
-            <a:off x="390194" y="5315781"/>
-            <a:ext cx="2800566" cy="1692771"/>
-          </a:xfrm>
-          <a:prstGeom prst="rect">
-            <a:avLst/>
-          </a:prstGeom>
-          <a:noFill/>
-        </p:spPr>
-        <p:txBody>
-          <a:bodyPr wrap="square" rtlCol="0">
-            <a:spAutoFit/>
-          </a:bodyPr>
-          <a:lstStyle/>
-          <a:p>
-            <a:pPr fontAlgn="base"/>
-            <a:r>
-              <a:rPr lang="en-US" altLang="ja-JP" sz="1100" b="1" dirty="0"/>
-              <a:t>C</a:t>
-            </a:r>
-            <a:r>
-              <a:rPr lang="ja-JP" altLang="en-US" sz="1100" b="1" dirty="0" smtClean="0"/>
-              <a:t>セット</a:t>
-            </a:r>
-            <a:r>
-              <a:rPr lang="ja-JP" altLang="en-US" sz="1100" b="1" dirty="0"/>
-              <a:t/>
-            </a:r>
-            <a:br>
-              <a:rPr lang="ja-JP" altLang="en-US" sz="1100" b="1" dirty="0"/>
-            </a:br>
-            <a:r>
-              <a:rPr lang="ja-JP" altLang="en-US" sz="1100" b="1" dirty="0"/>
-              <a:t>豚の角煮ご飯セット</a:t>
-            </a:r>
-          </a:p>
-          <a:p>
-            <a:pPr fontAlgn="base"/>
-            <a:r>
-              <a:rPr lang="ja-JP" altLang="en-US" sz="1100" b="1" dirty="0"/>
-              <a:t>人気の豚の角煮ご飯とふぉーのセット！（お好きなふぉーが選べます）</a:t>
-            </a:r>
-            <a:endParaRPr lang="ja-JP" altLang="en-US" sz="1100" dirty="0"/>
-          </a:p>
-          <a:p>
-            <a:pPr fontAlgn="base"/>
-            <a:r>
-              <a:rPr lang="ja-JP" altLang="en-US" sz="1000" dirty="0"/>
-              <a:t>（お好きなふぉー・豚の角煮ご飯・自家製なます）</a:t>
-            </a:r>
-          </a:p>
-          <a:p>
-            <a:pPr fontAlgn="base"/>
-            <a:r>
-              <a:rPr lang="en-US" altLang="ja-JP" sz="1000" dirty="0"/>
-              <a:t>¥1,050</a:t>
-            </a:r>
-            <a:r>
-              <a:rPr lang="ja-JP" altLang="en-US" sz="1000" dirty="0"/>
-              <a:t>～（税込）</a:t>
-            </a:r>
-          </a:p>
-          <a:p>
-            <a:pPr fontAlgn="base"/>
-            <a:r>
-              <a:rPr lang="ja-JP" altLang="en-US" sz="1000" dirty="0"/>
-              <a:t>価格はふぉーによって変わります。</a:t>
-            </a:r>
-            <a:r>
-              <a:rPr lang="en-US" altLang="ja-JP" sz="1000" dirty="0"/>
-              <a:t>※</a:t>
-            </a:r>
-            <a:r>
-              <a:rPr lang="ja-JP" altLang="en-US" sz="1000" dirty="0"/>
-              <a:t>写真はふぉー・ぼー（牛のふぉー）、ふぉー・がーの場合は</a:t>
-            </a:r>
-            <a:r>
-              <a:rPr lang="en-US" altLang="ja-JP" sz="1000" dirty="0"/>
-              <a:t>980</a:t>
-            </a:r>
-            <a:r>
-              <a:rPr lang="ja-JP" altLang="en-US" sz="1000" dirty="0"/>
-              <a:t>円 </a:t>
-            </a:r>
-          </a:p>
-        </p:txBody>
-      </p:sp>
-      <p:sp>
-        <p:nvSpPr>
-          <p:cNvPr id="20" name="テキスト ボックス 19"/>
-          <p:cNvSpPr txBox="1"/>
-          <p:nvPr/>
-        </p:nvSpPr>
-        <p:spPr>
-          <a:xfrm>
-            <a:off x="3829048" y="5350245"/>
-            <a:ext cx="2705100" cy="1231106"/>
-          </a:xfrm>
-          <a:prstGeom prst="rect">
-            <a:avLst/>
-          </a:prstGeom>
-          <a:noFill/>
-        </p:spPr>
-        <p:txBody>
-          <a:bodyPr wrap="square" rtlCol="0">
-            <a:spAutoFit/>
-          </a:bodyPr>
-          <a:lstStyle/>
-          <a:p>
-            <a:pPr fontAlgn="base"/>
-            <a:r>
-              <a:rPr lang="en-US" altLang="ja-JP" sz="1100" b="1" dirty="0"/>
-              <a:t>D</a:t>
-            </a:r>
-            <a:r>
-              <a:rPr lang="ja-JP" altLang="en-US" sz="1100" b="1" dirty="0" smtClean="0"/>
-              <a:t>セット</a:t>
-            </a:r>
-            <a:r>
-              <a:rPr lang="ja-JP" altLang="en-US" sz="1100" b="1" dirty="0"/>
-              <a:t/>
-            </a:r>
-            <a:br>
-              <a:rPr lang="ja-JP" altLang="en-US" sz="1100" b="1" dirty="0"/>
-            </a:br>
-            <a:r>
-              <a:rPr lang="ja-JP" altLang="en-US" sz="1100" b="1" dirty="0"/>
-              <a:t>ヘルシー野菜セット</a:t>
-            </a:r>
-          </a:p>
-          <a:p>
-            <a:pPr fontAlgn="base"/>
-            <a:r>
-              <a:rPr lang="ja-JP" altLang="en-US" sz="1100" b="1" dirty="0"/>
-              <a:t>カロリーが気になる方、野菜をたっぷり摂りたい方におすすめです！</a:t>
-            </a:r>
-            <a:r>
-              <a:rPr lang="ja-JP" altLang="en-US" dirty="0"/>
-              <a:t/>
-            </a:r>
-            <a:br>
-              <a:rPr lang="ja-JP" altLang="en-US" dirty="0"/>
-            </a:br>
-            <a:r>
-              <a:rPr lang="ja-JP" altLang="en-US" sz="1000" dirty="0"/>
-              <a:t>（とりのふぉー・生春巻き</a:t>
-            </a:r>
-            <a:r>
-              <a:rPr lang="en-US" altLang="ja-JP" sz="1000" dirty="0"/>
-              <a:t>1</a:t>
-            </a:r>
-            <a:r>
-              <a:rPr lang="ja-JP" altLang="en-US" sz="1000" dirty="0"/>
-              <a:t>コ・旬の野菜サラダ・ミニデザート・自家製なます）</a:t>
-            </a:r>
-            <a:br>
-              <a:rPr lang="ja-JP" altLang="en-US" sz="1000" dirty="0"/>
-            </a:br>
-            <a:r>
-              <a:rPr lang="en-US" altLang="ja-JP" sz="1000" dirty="0"/>
-              <a:t>¥980</a:t>
-            </a:r>
-            <a:r>
-              <a:rPr lang="ja-JP" altLang="en-US" sz="1000" dirty="0"/>
-              <a:t>（税込</a:t>
-            </a:r>
-            <a:r>
-              <a:rPr lang="ja-JP" altLang="en-US" sz="1000" dirty="0" smtClean="0"/>
-              <a:t>）</a:t>
-            </a:r>
-            <a:endParaRPr lang="ja-JP" altLang="en-US" sz="1000" dirty="0"/>
-          </a:p>
-        </p:txBody>
-      </p:sp>
-      <p:sp>
-        <p:nvSpPr>
-          <p:cNvPr id="21" name="テキスト ボックス 20"/>
-          <p:cNvSpPr txBox="1"/>
-          <p:nvPr/>
-        </p:nvSpPr>
-        <p:spPr>
-          <a:xfrm>
-            <a:off x="390194" y="8510637"/>
-            <a:ext cx="2790929" cy="1231106"/>
-          </a:xfrm>
-          <a:prstGeom prst="rect">
-            <a:avLst/>
-          </a:prstGeom>
-          <a:noFill/>
-        </p:spPr>
-        <p:txBody>
-          <a:bodyPr wrap="square" rtlCol="0">
-            <a:spAutoFit/>
-          </a:bodyPr>
-          <a:lstStyle/>
-          <a:p>
-            <a:pPr fontAlgn="base"/>
-            <a:r>
-              <a:rPr lang="en-US" altLang="ja-JP" sz="1100" b="1" dirty="0"/>
-              <a:t>E</a:t>
-            </a:r>
-            <a:r>
-              <a:rPr lang="ja-JP" altLang="en-US" sz="1100" b="1" dirty="0" smtClean="0"/>
-              <a:t>セット</a:t>
-            </a:r>
-            <a:r>
-              <a:rPr lang="ja-JP" altLang="en-US" sz="1100" b="1" dirty="0"/>
-              <a:t/>
-            </a:r>
-            <a:br>
-              <a:rPr lang="ja-JP" altLang="en-US" sz="1100" b="1" dirty="0"/>
-            </a:br>
-            <a:r>
-              <a:rPr lang="ja-JP" altLang="en-US" sz="1100" b="1" dirty="0"/>
-              <a:t>じゃ～じゃ～セット</a:t>
-            </a:r>
-          </a:p>
-          <a:p>
-            <a:pPr fontAlgn="base"/>
-            <a:r>
-              <a:rPr lang="ja-JP" altLang="en-US" sz="1100" b="1" dirty="0"/>
-              <a:t>残ったじゃ～じゃ～とジャスミンライスを混ぜて食べれば超病みつきです！</a:t>
-            </a:r>
-            <a:endParaRPr lang="ja-JP" altLang="en-US" sz="1100" dirty="0"/>
-          </a:p>
-          <a:p>
-            <a:pPr fontAlgn="base"/>
-            <a:r>
-              <a:rPr lang="ja-JP" altLang="en-US" sz="1000" dirty="0"/>
-              <a:t>（じゃ～じゃ～風味汁なしふぉー・生春巻き</a:t>
-            </a:r>
-            <a:r>
-              <a:rPr lang="en-US" altLang="ja-JP" sz="1000" dirty="0"/>
-              <a:t>1</a:t>
-            </a:r>
-            <a:r>
-              <a:rPr lang="ja-JP" altLang="en-US" sz="1000" dirty="0"/>
-              <a:t>コ・ジャスミンライス・自家製なます）</a:t>
-            </a:r>
-          </a:p>
-          <a:p>
-            <a:pPr fontAlgn="base"/>
-            <a:r>
-              <a:rPr lang="en-US" altLang="ja-JP" sz="1000" dirty="0"/>
-              <a:t>¥980</a:t>
-            </a:r>
-            <a:r>
-              <a:rPr lang="ja-JP" altLang="en-US" sz="1000" dirty="0"/>
-              <a:t>（税込</a:t>
-            </a:r>
-            <a:r>
-              <a:rPr lang="ja-JP" altLang="en-US" sz="1000" dirty="0" smtClean="0"/>
-              <a:t>）</a:t>
-            </a:r>
-            <a:endParaRPr lang="ja-JP" altLang="en-US" sz="1000" dirty="0"/>
-          </a:p>
-        </p:txBody>
-      </p:sp>
-      <p:sp>
-        <p:nvSpPr>
-          <p:cNvPr id="22" name="テキスト ボックス 21"/>
-          <p:cNvSpPr txBox="1"/>
-          <p:nvPr/>
-        </p:nvSpPr>
-        <p:spPr>
-          <a:xfrm>
-            <a:off x="3771951" y="8508789"/>
-            <a:ext cx="2705100" cy="1200329"/>
-          </a:xfrm>
-          <a:prstGeom prst="rect">
-            <a:avLst/>
-          </a:prstGeom>
-          <a:noFill/>
-        </p:spPr>
-        <p:txBody>
-          <a:bodyPr wrap="square" rtlCol="0">
-            <a:spAutoFit/>
-          </a:bodyPr>
-          <a:lstStyle/>
-          <a:p>
-            <a:pPr fontAlgn="base"/>
-            <a:r>
-              <a:rPr lang="en-US" altLang="ja-JP" sz="1100" b="1" dirty="0"/>
-              <a:t>F</a:t>
-            </a:r>
-            <a:r>
-              <a:rPr lang="ja-JP" altLang="en-US" sz="1100" b="1" dirty="0" smtClean="0"/>
-              <a:t>セット</a:t>
-            </a:r>
-            <a:r>
-              <a:rPr lang="ja-JP" altLang="en-US" sz="1100" b="1" dirty="0"/>
-              <a:t/>
-            </a:r>
-            <a:br>
-              <a:rPr lang="ja-JP" altLang="en-US" sz="1100" b="1" dirty="0"/>
-            </a:br>
-            <a:r>
-              <a:rPr lang="ja-JP" altLang="en-US" sz="1100" b="1" dirty="0"/>
-              <a:t>ピリ辛ガー丼セット</a:t>
-            </a:r>
-          </a:p>
-          <a:p>
-            <a:pPr fontAlgn="base"/>
-            <a:r>
-              <a:rPr lang="ja-JP" altLang="en-US" sz="1100" b="1" dirty="0"/>
-              <a:t>スタッフイチオシのガーどんぶりは、満足して頂ける美味しさです！</a:t>
-            </a:r>
-            <a:r>
-              <a:rPr lang="ja-JP" altLang="en-US" dirty="0"/>
-              <a:t/>
-            </a:r>
-            <a:br>
-              <a:rPr lang="ja-JP" altLang="en-US" dirty="0"/>
-            </a:br>
-            <a:r>
-              <a:rPr lang="ja-JP" altLang="en-US" dirty="0"/>
-              <a:t/>
-            </a:r>
-            <a:br>
-              <a:rPr lang="ja-JP" altLang="en-US" dirty="0"/>
-            </a:br>
-            <a:r>
-              <a:rPr lang="en-US" altLang="ja-JP" sz="1000" dirty="0"/>
-              <a:t>¥980</a:t>
-            </a:r>
-            <a:r>
-              <a:rPr lang="ja-JP" altLang="en-US" sz="1000" dirty="0"/>
-              <a:t>（税込</a:t>
-            </a:r>
-            <a:r>
-              <a:rPr lang="ja-JP" altLang="en-US" sz="1000" dirty="0" smtClean="0"/>
-              <a:t>）</a:t>
-            </a:r>
-            <a:endParaRPr lang="ja-JP" altLang="en-US" sz="1000" dirty="0"/>
-          </a:p>
-        </p:txBody>
-      </p:sp>
     </p:spTree>
     <p:extLst>
       <p:ext uri="{BB962C8B-B14F-4D97-AF65-F5344CB8AC3E}">
-        <p14:creationId xmlns:p14="http://schemas.microsoft.com/office/powerpoint/2010/main" val="1648364742"/>
+        <p14:creationId xmlns:p14="http://schemas.microsoft.com/office/powerpoint/2010/main" val="2609318182"/>
       </p:ext>
     </p:extLst>
   </p:cSld>
@@ -5001,8 +4886,8 @@
         </p:nvSpPr>
         <p:spPr>
           <a:xfrm>
-            <a:off x="0" y="0"/>
-            <a:ext cx="6858000" cy="666750"/>
+            <a:off x="0" y="-152400"/>
+            <a:ext cx="6857999" cy="628650"/>
           </a:xfrm>
           <a:solidFill>
             <a:schemeClr val="accent2">
@@ -5019,14 +4904,14 @@
           <a:p>
             <a:pPr algn="ctr"/>
             <a:r>
-              <a:rPr kumimoji="1" lang="ja-JP" altLang="en-US" sz="1400" dirty="0" smtClean="0">
+              <a:rPr kumimoji="1" lang="ja-JP" altLang="en-US" dirty="0" smtClean="0">
                 <a:solidFill>
                   <a:srgbClr val="FF0000"/>
                 </a:solidFill>
               </a:rPr>
-              <a:t>ドリンク・デザート</a:t>
-            </a:r>
-            <a:endParaRPr kumimoji="1" lang="ja-JP" altLang="en-US" sz="1400" dirty="0">
+              <a:t>セットメニュー</a:t>
+            </a:r>
+            <a:endParaRPr kumimoji="1" lang="ja-JP" altLang="en-US" dirty="0">
               <a:solidFill>
                 <a:srgbClr val="FF0000"/>
               </a:solidFill>
@@ -5034,492 +4919,16 @@
           </a:p>
         </p:txBody>
       </p:sp>
-      <p:sp>
-        <p:nvSpPr>
-          <p:cNvPr id="3" name="テキスト ボックス 2"/>
-          <p:cNvSpPr txBox="1"/>
-          <p:nvPr/>
-        </p:nvSpPr>
-        <p:spPr>
-          <a:xfrm>
-            <a:off x="0" y="735211"/>
-            <a:ext cx="3638550" cy="4308872"/>
-          </a:xfrm>
-          <a:prstGeom prst="rect">
-            <a:avLst/>
-          </a:prstGeom>
-          <a:noFill/>
-        </p:spPr>
-        <p:txBody>
-          <a:bodyPr wrap="square" rtlCol="0">
-            <a:spAutoFit/>
-          </a:bodyPr>
-          <a:lstStyle/>
-          <a:p>
-            <a:r>
-              <a:rPr kumimoji="1" lang="ja-JP" altLang="en-US" u="sng" dirty="0" smtClean="0"/>
-              <a:t>アルコール</a:t>
-            </a:r>
-            <a:endParaRPr kumimoji="1" lang="en-US" altLang="ja-JP" u="sng" dirty="0" smtClean="0"/>
-          </a:p>
-          <a:p>
-            <a:r>
-              <a:rPr kumimoji="1" lang="ja-JP" altLang="en-US" sz="1600" dirty="0" smtClean="0"/>
-              <a:t>ビール</a:t>
-            </a:r>
-            <a:r>
-              <a:rPr kumimoji="1" lang="en-US" altLang="ja-JP" sz="1600" dirty="0" smtClean="0"/>
-              <a:t>				</a:t>
-            </a:r>
-            <a:r>
-              <a:rPr kumimoji="1" lang="en-US" altLang="ja-JP" sz="1600" dirty="0"/>
-              <a:t>	</a:t>
-            </a:r>
-            <a:r>
-              <a:rPr kumimoji="1" lang="en-US" altLang="ja-JP" sz="1600" dirty="0" smtClean="0"/>
-              <a:t>480</a:t>
-            </a:r>
-            <a:r>
-              <a:rPr kumimoji="1" lang="ja-JP" altLang="en-US" sz="1600" dirty="0" smtClean="0"/>
-              <a:t>￥</a:t>
-            </a:r>
-            <a:endParaRPr kumimoji="1" lang="en-US" altLang="ja-JP" sz="1600" dirty="0" smtClean="0"/>
-          </a:p>
-          <a:p>
-            <a:r>
-              <a:rPr kumimoji="1" lang="en-US" altLang="ja-JP" sz="1600" dirty="0" smtClean="0"/>
-              <a:t>333</a:t>
-            </a:r>
-            <a:r>
-              <a:rPr kumimoji="1" lang="ja-JP" altLang="en-US" sz="1600" dirty="0" smtClean="0"/>
-              <a:t>ビール</a:t>
-            </a:r>
-            <a:r>
-              <a:rPr kumimoji="1" lang="en-US" altLang="ja-JP" sz="1600" dirty="0" smtClean="0"/>
-              <a:t>			580</a:t>
-            </a:r>
-            <a:r>
-              <a:rPr kumimoji="1" lang="ja-JP" altLang="en-US" sz="1600" dirty="0" smtClean="0"/>
-              <a:t>￥</a:t>
-            </a:r>
-            <a:endParaRPr kumimoji="1" lang="en-US" altLang="ja-JP" sz="1600" dirty="0" smtClean="0"/>
-          </a:p>
-          <a:p>
-            <a:r>
-              <a:rPr kumimoji="1" lang="ja-JP" altLang="en-US" sz="1600" dirty="0" smtClean="0"/>
-              <a:t>サワープレーン</a:t>
-            </a:r>
-            <a:r>
-              <a:rPr kumimoji="1" lang="en-US" altLang="ja-JP" sz="1600" dirty="0" smtClean="0"/>
-              <a:t>		</a:t>
-            </a:r>
-            <a:r>
-              <a:rPr kumimoji="1" lang="en-US" altLang="ja-JP" sz="1600" dirty="0"/>
-              <a:t>	</a:t>
-            </a:r>
-            <a:r>
-              <a:rPr kumimoji="1" lang="en-US" altLang="ja-JP" sz="1600" dirty="0" smtClean="0"/>
-              <a:t>450</a:t>
-            </a:r>
-            <a:r>
-              <a:rPr kumimoji="1" lang="ja-JP" altLang="en-US" sz="1600" dirty="0" smtClean="0"/>
-              <a:t>￥</a:t>
-            </a:r>
-            <a:endParaRPr kumimoji="1" lang="en-US" altLang="ja-JP" sz="1600" dirty="0" smtClean="0"/>
-          </a:p>
-          <a:p>
-            <a:r>
-              <a:rPr kumimoji="1" lang="ja-JP" altLang="en-US" sz="1600" dirty="0" smtClean="0"/>
-              <a:t>ハイポール</a:t>
-            </a:r>
-            <a:r>
-              <a:rPr kumimoji="1" lang="en-US" altLang="ja-JP" sz="1600" dirty="0" smtClean="0"/>
-              <a:t>			</a:t>
-            </a:r>
-            <a:r>
-              <a:rPr kumimoji="1" lang="en-US" altLang="ja-JP" sz="1600" dirty="0"/>
-              <a:t>	</a:t>
-            </a:r>
-            <a:r>
-              <a:rPr kumimoji="1" lang="en-US" altLang="ja-JP" sz="1600" dirty="0" smtClean="0"/>
-              <a:t>480</a:t>
-            </a:r>
-            <a:r>
-              <a:rPr kumimoji="1" lang="ja-JP" altLang="en-US" sz="1600" dirty="0" smtClean="0"/>
-              <a:t>￥</a:t>
-            </a:r>
-            <a:endParaRPr kumimoji="1" lang="en-US" altLang="ja-JP" sz="1600" dirty="0" smtClean="0"/>
-          </a:p>
-          <a:p>
-            <a:r>
-              <a:rPr kumimoji="1" lang="ja-JP" altLang="en-US" sz="1600" dirty="0" smtClean="0"/>
-              <a:t>レモンサワー</a:t>
-            </a:r>
-            <a:r>
-              <a:rPr kumimoji="1" lang="en-US" altLang="ja-JP" sz="1600" dirty="0" smtClean="0"/>
-              <a:t>				480</a:t>
-            </a:r>
-            <a:r>
-              <a:rPr kumimoji="1" lang="ja-JP" altLang="en-US" sz="1600" dirty="0" smtClean="0"/>
-              <a:t>￥</a:t>
-            </a:r>
-            <a:endParaRPr kumimoji="1" lang="en-US" altLang="ja-JP" sz="1600" dirty="0" smtClean="0"/>
-          </a:p>
-          <a:p>
-            <a:r>
-              <a:rPr kumimoji="1" lang="ja-JP" altLang="en-US" sz="1600" dirty="0" smtClean="0"/>
-              <a:t>ライムサワー</a:t>
-            </a:r>
-            <a:r>
-              <a:rPr kumimoji="1" lang="en-US" altLang="ja-JP" sz="1600" dirty="0" smtClean="0"/>
-              <a:t>				480</a:t>
-            </a:r>
-            <a:r>
-              <a:rPr kumimoji="1" lang="ja-JP" altLang="en-US" sz="1600" dirty="0" smtClean="0"/>
-              <a:t>￥</a:t>
-            </a:r>
-            <a:endParaRPr kumimoji="1" lang="en-US" altLang="ja-JP" sz="1600" dirty="0" smtClean="0"/>
-          </a:p>
-          <a:p>
-            <a:r>
-              <a:rPr kumimoji="1" lang="ja-JP" altLang="en-US" sz="1600" dirty="0" smtClean="0"/>
-              <a:t>日本酒（冷）</a:t>
-            </a:r>
-            <a:r>
-              <a:rPr kumimoji="1" lang="en-US" altLang="ja-JP" sz="1600" dirty="0" smtClean="0"/>
-              <a:t>				800</a:t>
-            </a:r>
-            <a:r>
-              <a:rPr kumimoji="1" lang="ja-JP" altLang="en-US" sz="1600" dirty="0" smtClean="0"/>
-              <a:t>￥</a:t>
-            </a:r>
-            <a:endParaRPr kumimoji="1" lang="en-US" altLang="ja-JP" sz="1600" dirty="0" smtClean="0"/>
-          </a:p>
-          <a:p>
-            <a:r>
-              <a:rPr kumimoji="1" lang="ja-JP" altLang="en-US" sz="1600" dirty="0" smtClean="0"/>
-              <a:t>日本酒（温）</a:t>
-            </a:r>
-            <a:r>
-              <a:rPr kumimoji="1" lang="en-US" altLang="ja-JP" sz="1600" dirty="0" smtClean="0"/>
-              <a:t>				580</a:t>
-            </a:r>
-            <a:r>
-              <a:rPr kumimoji="1" lang="ja-JP" altLang="en-US" sz="1600" dirty="0" smtClean="0"/>
-              <a:t>￥</a:t>
-            </a:r>
-            <a:endParaRPr kumimoji="1" lang="en-US" altLang="ja-JP" sz="1600" dirty="0" smtClean="0"/>
-          </a:p>
-          <a:p>
-            <a:r>
-              <a:rPr kumimoji="1" lang="ja-JP" altLang="en-US" sz="1600" dirty="0" smtClean="0"/>
-              <a:t>焼酎（令・温）</a:t>
-            </a:r>
-            <a:r>
-              <a:rPr kumimoji="1" lang="en-US" altLang="ja-JP" sz="1600" dirty="0" smtClean="0"/>
-              <a:t>			480</a:t>
-            </a:r>
-            <a:r>
-              <a:rPr kumimoji="1" lang="ja-JP" altLang="en-US" sz="1600" dirty="0" smtClean="0"/>
-              <a:t>￥</a:t>
-            </a:r>
-            <a:endParaRPr kumimoji="1" lang="en-US" altLang="ja-JP" sz="1600" dirty="0" smtClean="0"/>
-          </a:p>
-          <a:p>
-            <a:r>
-              <a:rPr lang="ja-JP" altLang="en-US" sz="1600" dirty="0" smtClean="0"/>
-              <a:t>カシスオレンジ</a:t>
-            </a:r>
-            <a:r>
-              <a:rPr lang="en-US" altLang="ja-JP" sz="1600" dirty="0" smtClean="0"/>
-              <a:t>			580</a:t>
-            </a:r>
-            <a:r>
-              <a:rPr lang="ja-JP" altLang="en-US" sz="1600" dirty="0" smtClean="0"/>
-              <a:t>￥</a:t>
-            </a:r>
-            <a:endParaRPr lang="en-US" altLang="ja-JP" sz="1600" dirty="0" smtClean="0"/>
-          </a:p>
-          <a:p>
-            <a:r>
-              <a:rPr lang="ja-JP" altLang="en-US" sz="1600" dirty="0" smtClean="0"/>
-              <a:t>カンパリオレンジ</a:t>
-            </a:r>
-            <a:r>
-              <a:rPr lang="en-US" altLang="ja-JP" sz="1600" dirty="0" smtClean="0"/>
-              <a:t>			580</a:t>
-            </a:r>
-            <a:r>
-              <a:rPr lang="ja-JP" altLang="en-US" sz="1600" dirty="0" smtClean="0"/>
-              <a:t>￥</a:t>
-            </a:r>
-            <a:endParaRPr lang="en-US" altLang="ja-JP" sz="1600" dirty="0" smtClean="0"/>
-          </a:p>
-          <a:p>
-            <a:r>
-              <a:rPr lang="ja-JP" altLang="en-US" sz="1600" dirty="0" smtClean="0"/>
-              <a:t>ブルドッグ</a:t>
-            </a:r>
-            <a:r>
-              <a:rPr kumimoji="1" lang="en-US" altLang="ja-JP" sz="1600" dirty="0" smtClean="0"/>
-              <a:t>				580</a:t>
-            </a:r>
-            <a:r>
-              <a:rPr kumimoji="1" lang="ja-JP" altLang="en-US" sz="1600" dirty="0" smtClean="0"/>
-              <a:t>￥</a:t>
-            </a:r>
-            <a:endParaRPr kumimoji="1" lang="en-US" altLang="ja-JP" sz="1600" dirty="0" smtClean="0"/>
-          </a:p>
-          <a:p>
-            <a:r>
-              <a:rPr lang="ja-JP" altLang="en-US" sz="1600" dirty="0" smtClean="0"/>
-              <a:t>パクチーモヒート</a:t>
-            </a:r>
-            <a:r>
-              <a:rPr lang="en-US" altLang="ja-JP" sz="1600" dirty="0"/>
-              <a:t>	</a:t>
-            </a:r>
-            <a:r>
-              <a:rPr lang="en-US" altLang="ja-JP" sz="1600" dirty="0" smtClean="0"/>
-              <a:t>		580</a:t>
-            </a:r>
-            <a:r>
-              <a:rPr lang="ja-JP" altLang="en-US" sz="1600" dirty="0" smtClean="0"/>
-              <a:t>￥</a:t>
-            </a:r>
-            <a:endParaRPr lang="en-US" altLang="ja-JP" sz="1600" dirty="0" smtClean="0"/>
-          </a:p>
-          <a:p>
-            <a:r>
-              <a:rPr lang="ja-JP" altLang="en-US" sz="1600" dirty="0"/>
-              <a:t>ライト・オン・</a:t>
-            </a:r>
-            <a:r>
-              <a:rPr lang="ja-JP" altLang="en-US" sz="1600" dirty="0" smtClean="0"/>
-              <a:t>ディタ</a:t>
-            </a:r>
-            <a:r>
-              <a:rPr lang="en-US" altLang="ja-JP" sz="1600" dirty="0" smtClean="0"/>
-              <a:t>		580</a:t>
-            </a:r>
-            <a:r>
-              <a:rPr lang="ja-JP" altLang="en-US" sz="1600" dirty="0" smtClean="0"/>
-              <a:t>￥</a:t>
-            </a:r>
-            <a:endParaRPr lang="en-US" altLang="ja-JP" sz="1600" dirty="0" smtClean="0"/>
-          </a:p>
-          <a:p>
-            <a:r>
-              <a:rPr lang="ja-JP" altLang="en-US" sz="1600" dirty="0" smtClean="0"/>
-              <a:t>梅酒</a:t>
-            </a:r>
-            <a:r>
-              <a:rPr lang="ja-JP" altLang="en-US" sz="1600" dirty="0"/>
-              <a:t>（ソーダー・</a:t>
-            </a:r>
-            <a:r>
-              <a:rPr lang="ja-JP" altLang="en-US" sz="1600" dirty="0" smtClean="0"/>
-              <a:t>ロック</a:t>
-            </a:r>
-            <a:r>
-              <a:rPr lang="en-US" altLang="ja-JP" sz="1600" dirty="0" smtClean="0"/>
-              <a:t>		580</a:t>
-            </a:r>
-            <a:r>
-              <a:rPr lang="ja-JP" altLang="en-US" sz="1600" dirty="0" smtClean="0"/>
-              <a:t>￥</a:t>
-            </a:r>
-            <a:endParaRPr lang="en-US" altLang="ja-JP" sz="1600" dirty="0" smtClean="0"/>
-          </a:p>
-          <a:p>
-            <a:r>
-              <a:rPr lang="ja-JP" altLang="en-US" sz="1600" dirty="0"/>
-              <a:t>ライチ（ソーダー・</a:t>
-            </a:r>
-            <a:r>
-              <a:rPr lang="ja-JP" altLang="en-US" sz="1600" dirty="0" smtClean="0"/>
-              <a:t>ロック）</a:t>
-            </a:r>
-            <a:r>
-              <a:rPr lang="en-US" altLang="ja-JP" sz="1600" dirty="0" smtClean="0"/>
-              <a:t>	580</a:t>
-            </a:r>
-            <a:r>
-              <a:rPr lang="ja-JP" altLang="en-US" sz="1600" dirty="0"/>
-              <a:t>￥</a:t>
-            </a:r>
-            <a:endParaRPr kumimoji="1" lang="en-US" altLang="ja-JP" sz="1600" dirty="0" smtClean="0"/>
-          </a:p>
-        </p:txBody>
-      </p:sp>
-      <p:sp>
-        <p:nvSpPr>
-          <p:cNvPr id="6" name="テキスト ボックス 5"/>
-          <p:cNvSpPr txBox="1"/>
-          <p:nvPr/>
-        </p:nvSpPr>
-        <p:spPr>
-          <a:xfrm>
-            <a:off x="3638550" y="741045"/>
-            <a:ext cx="3429000" cy="2339102"/>
-          </a:xfrm>
-          <a:prstGeom prst="rect">
-            <a:avLst/>
-          </a:prstGeom>
-          <a:noFill/>
-        </p:spPr>
-        <p:txBody>
-          <a:bodyPr wrap="square" rtlCol="0">
-            <a:spAutoFit/>
-          </a:bodyPr>
-          <a:lstStyle/>
-          <a:p>
-            <a:r>
-              <a:rPr kumimoji="1" lang="ja-JP" altLang="en-US" u="sng" dirty="0" smtClean="0"/>
-              <a:t>ソフトドリング</a:t>
-            </a:r>
-            <a:endParaRPr kumimoji="1" lang="en-US" altLang="ja-JP" u="sng" dirty="0" smtClean="0"/>
-          </a:p>
-          <a:p>
-            <a:r>
-              <a:rPr kumimoji="1" lang="ja-JP" altLang="en-US" sz="1600" dirty="0" smtClean="0"/>
-              <a:t>コーラ</a:t>
-            </a:r>
-            <a:r>
-              <a:rPr kumimoji="1" lang="en-US" altLang="ja-JP" sz="1600" dirty="0" smtClean="0"/>
-              <a:t>				380</a:t>
-            </a:r>
-            <a:r>
-              <a:rPr kumimoji="1" lang="ja-JP" altLang="en-US" sz="1600" dirty="0" smtClean="0"/>
-              <a:t>￥</a:t>
-            </a:r>
-            <a:endParaRPr kumimoji="1" lang="en-US" altLang="ja-JP" sz="1600" dirty="0" smtClean="0"/>
-          </a:p>
-          <a:p>
-            <a:r>
-              <a:rPr kumimoji="1" lang="ja-JP" altLang="en-US" sz="1600" dirty="0" smtClean="0"/>
-              <a:t>ジンジャーエール</a:t>
-            </a:r>
-            <a:r>
-              <a:rPr kumimoji="1" lang="en-US" altLang="ja-JP" sz="1600" dirty="0" smtClean="0"/>
-              <a:t>		380</a:t>
-            </a:r>
-            <a:r>
-              <a:rPr kumimoji="1" lang="ja-JP" altLang="en-US" sz="1600" dirty="0" smtClean="0"/>
-              <a:t>￥</a:t>
-            </a:r>
-            <a:endParaRPr kumimoji="1" lang="en-US" altLang="ja-JP" sz="1600" dirty="0" smtClean="0"/>
-          </a:p>
-          <a:p>
-            <a:r>
-              <a:rPr kumimoji="1" lang="ja-JP" altLang="en-US" sz="1600" dirty="0" smtClean="0"/>
-              <a:t>カルピス</a:t>
-            </a:r>
-            <a:r>
-              <a:rPr kumimoji="1" lang="en-US" altLang="ja-JP" sz="1600" dirty="0" smtClean="0"/>
-              <a:t>				380</a:t>
-            </a:r>
-            <a:r>
-              <a:rPr kumimoji="1" lang="ja-JP" altLang="en-US" sz="1600" dirty="0" smtClean="0"/>
-              <a:t>￥</a:t>
-            </a:r>
-            <a:endParaRPr kumimoji="1" lang="en-US" altLang="ja-JP" sz="1600" dirty="0" smtClean="0"/>
-          </a:p>
-          <a:p>
-            <a:r>
-              <a:rPr kumimoji="1" lang="ja-JP" altLang="en-US" sz="1600" dirty="0" smtClean="0"/>
-              <a:t>オレンジジュース</a:t>
-            </a:r>
-            <a:r>
-              <a:rPr kumimoji="1" lang="en-US" altLang="ja-JP" sz="1600" dirty="0" smtClean="0"/>
-              <a:t>		380</a:t>
-            </a:r>
-            <a:r>
-              <a:rPr kumimoji="1" lang="ja-JP" altLang="en-US" sz="1600" dirty="0" smtClean="0"/>
-              <a:t>￥</a:t>
-            </a:r>
-            <a:endParaRPr kumimoji="1" lang="en-US" altLang="ja-JP" sz="1600" dirty="0" smtClean="0"/>
-          </a:p>
-          <a:p>
-            <a:r>
-              <a:rPr kumimoji="1" lang="ja-JP" altLang="en-US" sz="1600" dirty="0" smtClean="0"/>
-              <a:t>りんごジュース</a:t>
-            </a:r>
-            <a:r>
-              <a:rPr kumimoji="1" lang="en-US" altLang="ja-JP" sz="1600" dirty="0" smtClean="0"/>
-              <a:t>		380</a:t>
-            </a:r>
-            <a:r>
-              <a:rPr kumimoji="1" lang="ja-JP" altLang="en-US" sz="1600" dirty="0" smtClean="0"/>
-              <a:t>￥</a:t>
-            </a:r>
-            <a:endParaRPr kumimoji="1" lang="en-US" altLang="ja-JP" sz="1600" dirty="0" smtClean="0"/>
-          </a:p>
-          <a:p>
-            <a:r>
-              <a:rPr kumimoji="1" lang="ja-JP" altLang="en-US" sz="1600" dirty="0"/>
-              <a:t>ウーロン</a:t>
-            </a:r>
-            <a:r>
-              <a:rPr kumimoji="1" lang="ja-JP" altLang="en-US" sz="1600" dirty="0" smtClean="0"/>
-              <a:t>茶</a:t>
-            </a:r>
-            <a:r>
-              <a:rPr kumimoji="1" lang="en-US" altLang="ja-JP" sz="1600" dirty="0" smtClean="0"/>
-              <a:t>			380</a:t>
-            </a:r>
-            <a:r>
-              <a:rPr kumimoji="1" lang="ja-JP" altLang="en-US" sz="1600" dirty="0" smtClean="0"/>
-              <a:t>￥</a:t>
-            </a:r>
-            <a:endParaRPr kumimoji="1" lang="en-US" altLang="ja-JP" sz="1600" dirty="0" smtClean="0"/>
-          </a:p>
-          <a:p>
-            <a:r>
-              <a:rPr kumimoji="1" lang="ja-JP" altLang="en-US" sz="1600" dirty="0"/>
-              <a:t>生姜</a:t>
-            </a:r>
-            <a:r>
-              <a:rPr kumimoji="1" lang="ja-JP" altLang="en-US" sz="1600" dirty="0" smtClean="0"/>
-              <a:t>甘酒</a:t>
-            </a:r>
-            <a:r>
-              <a:rPr kumimoji="1" lang="en-US" altLang="ja-JP" sz="1600" dirty="0" smtClean="0"/>
-              <a:t>				580</a:t>
-            </a:r>
-            <a:r>
-              <a:rPr kumimoji="1" lang="ja-JP" altLang="en-US" sz="1600" dirty="0" smtClean="0"/>
-              <a:t>￥</a:t>
-            </a:r>
-            <a:endParaRPr kumimoji="1" lang="en-US" altLang="ja-JP" sz="1600" dirty="0" smtClean="0"/>
-          </a:p>
-          <a:p>
-            <a:r>
-              <a:rPr kumimoji="1" lang="ja-JP" altLang="en-US" sz="1600" dirty="0" smtClean="0"/>
-              <a:t>ベトナムコーヒー</a:t>
-            </a:r>
-            <a:r>
-              <a:rPr kumimoji="1" lang="en-US" altLang="ja-JP" sz="1600" dirty="0" smtClean="0"/>
-              <a:t>		480</a:t>
-            </a:r>
-            <a:r>
-              <a:rPr kumimoji="1" lang="ja-JP" altLang="en-US" sz="1600" dirty="0" smtClean="0"/>
-              <a:t>￥</a:t>
-            </a:r>
-            <a:endParaRPr kumimoji="1" lang="ja-JP" altLang="en-US" sz="1600" dirty="0"/>
-          </a:p>
-        </p:txBody>
-      </p:sp>
       <p:pic>
         <p:nvPicPr>
-          <p:cNvPr id="7" name="図 6"/>
+          <p:cNvPr id="10" name="図 9"/>
           <p:cNvPicPr>
             <a:picLocks noChangeAspect="1"/>
           </p:cNvPicPr>
           <p:nvPr/>
         </p:nvPicPr>
         <p:blipFill>
-          <a:blip r:embed="rId2">
+          <a:blip r:embed="rId2" cstate="print">
             <a:extLst>
               <a:ext uri="{28A0092B-C50C-407E-A947-70E740481C1C}">
                 <a14:useLocalDpi xmlns:a14="http://schemas.microsoft.com/office/drawing/2010/main" val="0"/>
@@ -5532,8 +4941,8 @@
         </p:blipFill>
         <p:spPr>
           <a:xfrm>
-            <a:off x="0" y="5112544"/>
-            <a:ext cx="6858000" cy="1745456"/>
+            <a:off x="399831" y="852783"/>
+            <a:ext cx="2800566" cy="1519267"/>
           </a:xfrm>
           <a:prstGeom prst="rect">
             <a:avLst/>
@@ -5542,7 +4951,7 @@
       </p:pic>
       <p:pic>
         <p:nvPicPr>
-          <p:cNvPr id="8" name="図 7"/>
+          <p:cNvPr id="11" name="図 10"/>
           <p:cNvPicPr>
             <a:picLocks noChangeAspect="1"/>
           </p:cNvPicPr>
@@ -5562,8 +4971,8 @@
         </p:blipFill>
         <p:spPr>
           <a:xfrm>
-            <a:off x="77309" y="7076480"/>
-            <a:ext cx="2090737" cy="1566797"/>
+            <a:off x="3829048" y="846259"/>
+            <a:ext cx="2705101" cy="1519107"/>
           </a:xfrm>
           <a:prstGeom prst="rect">
             <a:avLst/>
@@ -5572,7 +4981,7 @@
       </p:pic>
       <p:pic>
         <p:nvPicPr>
-          <p:cNvPr id="9" name="図 8"/>
+          <p:cNvPr id="12" name="図 11"/>
           <p:cNvPicPr>
             <a:picLocks noChangeAspect="1"/>
           </p:cNvPicPr>
@@ -5592,8 +5001,8 @@
         </p:blipFill>
         <p:spPr>
           <a:xfrm>
-            <a:off x="2297743" y="7076480"/>
-            <a:ext cx="2093282" cy="1566797"/>
+            <a:off x="399833" y="6989521"/>
+            <a:ext cx="2800563" cy="1519268"/>
           </a:xfrm>
           <a:prstGeom prst="rect">
             <a:avLst/>
@@ -5602,7 +5011,7 @@
       </p:pic>
       <p:pic>
         <p:nvPicPr>
-          <p:cNvPr id="10" name="図 9"/>
+          <p:cNvPr id="14" name="図 13"/>
           <p:cNvPicPr>
             <a:picLocks noChangeAspect="1"/>
           </p:cNvPicPr>
@@ -5622,24 +5031,84 @@
         </p:blipFill>
         <p:spPr>
           <a:xfrm>
-            <a:off x="4650418" y="7076480"/>
-            <a:ext cx="2080115" cy="1558837"/>
+            <a:off x="3829048" y="3796513"/>
+            <a:ext cx="2705100" cy="1519268"/>
           </a:xfrm>
           <a:prstGeom prst="rect">
             <a:avLst/>
           </a:prstGeom>
         </p:spPr>
       </p:pic>
-      <p:sp>
-        <p:nvSpPr>
-          <p:cNvPr id="11" name="テキスト ボックス 10"/>
+      <p:pic>
+        <p:nvPicPr>
+          <p:cNvPr id="15" name="図 14"/>
+          <p:cNvPicPr>
+            <a:picLocks noChangeAspect="1"/>
+          </p:cNvPicPr>
+          <p:nvPr/>
+        </p:nvPicPr>
+        <p:blipFill>
+          <a:blip r:embed="rId6" cstate="print">
+            <a:extLst>
+              <a:ext uri="{28A0092B-C50C-407E-A947-70E740481C1C}">
+                <a14:useLocalDpi xmlns:a14="http://schemas.microsoft.com/office/drawing/2010/main" val="0"/>
+              </a:ext>
+            </a:extLst>
+          </a:blip>
+          <a:stretch>
+            <a:fillRect/>
+          </a:stretch>
+        </p:blipFill>
+        <p:spPr>
+          <a:xfrm>
+            <a:off x="390195" y="3796514"/>
+            <a:ext cx="2800565" cy="1519268"/>
+          </a:xfrm>
+          <a:prstGeom prst="rect">
+            <a:avLst/>
+          </a:prstGeom>
+        </p:spPr>
+      </p:pic>
+      <p:pic>
+        <p:nvPicPr>
+          <p:cNvPr id="16" name="図 15"/>
+          <p:cNvPicPr>
+            <a:picLocks noChangeAspect="1"/>
+          </p:cNvPicPr>
+          <p:nvPr/>
+        </p:nvPicPr>
+        <p:blipFill>
+          <a:blip r:embed="rId7" cstate="print">
+            <a:extLst>
+              <a:ext uri="{28A0092B-C50C-407E-A947-70E740481C1C}">
+                <a14:useLocalDpi xmlns:a14="http://schemas.microsoft.com/office/drawing/2010/main" val="0"/>
+              </a:ext>
+            </a:extLst>
+          </a:blip>
+          <a:stretch>
+            <a:fillRect/>
+          </a:stretch>
+        </p:blipFill>
+        <p:spPr>
+          <a:xfrm>
+            <a:off x="3829048" y="6989522"/>
+            <a:ext cx="2705100" cy="1519268"/>
+          </a:xfrm>
+          <a:prstGeom prst="rect">
+            <a:avLst/>
+          </a:prstGeom>
+        </p:spPr>
+      </p:pic>
+      <p:sp>
+        <p:nvSpPr>
+          <p:cNvPr id="17" name="テキスト ボックス 16"/>
           <p:cNvSpPr txBox="1"/>
           <p:nvPr/>
         </p:nvSpPr>
         <p:spPr>
           <a:xfrm>
-            <a:off x="-13576" y="8726938"/>
-            <a:ext cx="2181621" cy="1323439"/>
+            <a:off x="399831" y="2372051"/>
+            <a:ext cx="2800565" cy="1369606"/>
           </a:xfrm>
           <a:prstGeom prst="rect">
             <a:avLst/>
@@ -5654,50 +5123,98 @@
           <a:p>
             <a:pPr fontAlgn="base"/>
             <a:r>
+              <a:rPr lang="en-US" altLang="ja-JP" sz="1100" b="1" dirty="0"/>
+              <a:t>A</a:t>
+            </a:r>
+            <a:r>
               <a:rPr lang="ja-JP" altLang="en-US" sz="1100" b="1" dirty="0"/>
-              <a:t>ベトナムコーヒーゼリー</a:t>
+              <a:t>セット　</a:t>
             </a:r>
             <a:br>
               <a:rPr lang="ja-JP" altLang="en-US" sz="1100" b="1" dirty="0"/>
             </a:br>
             <a:r>
               <a:rPr lang="ja-JP" altLang="en-US" sz="1100" b="1" dirty="0"/>
-              <a:t>バニラアイス添え</a:t>
+              <a:t>満腹セット</a:t>
             </a:r>
           </a:p>
           <a:p>
             <a:pPr fontAlgn="base"/>
             <a:r>
+              <a:rPr lang="ja-JP" altLang="en-US" sz="1100" b="1" dirty="0"/>
+              <a:t>男性のお客様に超おすすめです！</a:t>
+            </a:r>
+            <a:r>
+              <a:rPr lang="ja-JP" altLang="en-US" dirty="0"/>
+              <a:t/>
+            </a:r>
+            <a:br>
+              <a:rPr lang="ja-JP" altLang="en-US" dirty="0"/>
+            </a:br>
+            <a:r>
               <a:rPr lang="ja-JP" altLang="en-US" sz="1000" dirty="0"/>
-              <a:t>ビターなコーヒーゼリーと甘いバニラアイスを一緒に食べると超美味しい！</a:t>
+              <a:t>（お好きなふぉー・ベトナム唐揚げ</a:t>
+            </a:r>
+            <a:r>
+              <a:rPr lang="en-US" altLang="ja-JP" sz="1000" dirty="0"/>
+              <a:t>2</a:t>
+            </a:r>
+            <a:r>
+              <a:rPr lang="ja-JP" altLang="en-US" sz="1000" dirty="0"/>
+              <a:t>コ・生春巻き</a:t>
+            </a:r>
+            <a:r>
+              <a:rPr lang="en-US" altLang="ja-JP" sz="1000" dirty="0"/>
+              <a:t>1</a:t>
+            </a:r>
+            <a:r>
+              <a:rPr lang="ja-JP" altLang="en-US" sz="1000" dirty="0"/>
+              <a:t>コ・ジャスミンライス・自家製なます）</a:t>
             </a:r>
             <a:br>
               <a:rPr lang="ja-JP" altLang="en-US" sz="1000" dirty="0"/>
             </a:br>
             <a:r>
               <a:rPr lang="en-US" altLang="ja-JP" sz="1000" dirty="0"/>
-              <a:t>¥480</a:t>
+              <a:t>¥1,200</a:t>
             </a:r>
             <a:r>
               <a:rPr lang="ja-JP" altLang="en-US" sz="1000" dirty="0"/>
-              <a:t>（税込）</a:t>
-            </a:r>
-          </a:p>
-          <a:p>
-            <a:endParaRPr kumimoji="1" lang="ja-JP" altLang="en-US" dirty="0"/>
-          </a:p>
-        </p:txBody>
-      </p:sp>
-      <p:sp>
-        <p:nvSpPr>
-          <p:cNvPr id="12" name="テキスト ボックス 11"/>
+              <a:t>～（税込）</a:t>
+            </a:r>
+            <a:br>
+              <a:rPr lang="ja-JP" altLang="en-US" sz="1000" dirty="0"/>
+            </a:br>
+            <a:r>
+              <a:rPr lang="ja-JP" altLang="en-US" sz="1000" dirty="0"/>
+              <a:t>価格はふぉーによって変わります。</a:t>
+            </a:r>
+            <a:r>
+              <a:rPr lang="en-US" altLang="ja-JP" sz="1000" dirty="0"/>
+              <a:t>※</a:t>
+            </a:r>
+            <a:r>
+              <a:rPr lang="ja-JP" altLang="en-US" sz="1000" dirty="0"/>
+              <a:t>写真はふぉー・がー（鶏のふぉー</a:t>
+            </a:r>
+            <a:r>
+              <a:rPr lang="ja-JP" altLang="en-US" sz="1000" dirty="0" smtClean="0"/>
+              <a:t>）</a:t>
+            </a:r>
+            <a:endParaRPr lang="ja-JP" altLang="en-US" sz="1000" dirty="0"/>
+          </a:p>
+        </p:txBody>
+      </p:sp>
+      <p:sp>
+        <p:nvSpPr>
+          <p:cNvPr id="18" name="テキスト ボックス 17"/>
           <p:cNvSpPr txBox="1"/>
           <p:nvPr/>
         </p:nvSpPr>
         <p:spPr>
           <a:xfrm>
-            <a:off x="2297743" y="8726938"/>
-            <a:ext cx="2093282" cy="1323439"/>
+            <a:off x="3714855" y="2372051"/>
+            <a:ext cx="2819293" cy="1200329"/>
           </a:xfrm>
           <a:prstGeom prst="rect">
             <a:avLst/>
@@ -5712,54 +5229,63 @@
           <a:p>
             <a:pPr fontAlgn="base"/>
             <a:r>
+              <a:rPr lang="en-US" altLang="ja-JP" sz="1100" b="1" dirty="0"/>
+              <a:t>B</a:t>
+            </a:r>
+            <a:r>
               <a:rPr lang="ja-JP" altLang="en-US" sz="1100" b="1" dirty="0"/>
-              <a:t>ストロベリーソースの</a:t>
+              <a:t>セット</a:t>
             </a:r>
             <a:br>
               <a:rPr lang="ja-JP" altLang="en-US" sz="1100" b="1" dirty="0"/>
             </a:br>
             <a:r>
               <a:rPr lang="ja-JP" altLang="en-US" sz="1100" b="1" dirty="0"/>
-              <a:t>ヨーグルト</a:t>
+              <a:t>有頭海老とブロッコリーのブイヤベース風</a:t>
+            </a:r>
+            <a:br>
+              <a:rPr lang="ja-JP" altLang="en-US" sz="1100" b="1" dirty="0"/>
+            </a:br>
+            <a:r>
+              <a:rPr lang="ja-JP" altLang="en-US" sz="1100" b="1" dirty="0"/>
+              <a:t>ジャスミンライス添え</a:t>
             </a:r>
           </a:p>
           <a:p>
             <a:pPr fontAlgn="base"/>
             <a:r>
+              <a:rPr lang="ja-JP" altLang="en-US" dirty="0"/>
+              <a:t> </a:t>
+            </a:r>
+            <a:br>
+              <a:rPr lang="ja-JP" altLang="en-US" dirty="0"/>
+            </a:br>
+            <a:r>
+              <a:rPr lang="en-US" altLang="ja-JP" sz="1000" dirty="0"/>
+              <a:t>¥1,000</a:t>
+            </a:r>
+            <a:r>
               <a:rPr lang="ja-JP" altLang="en-US" sz="1000" dirty="0"/>
-              <a:t>甘酸っぱいソースとヨーグルトをコーンフレークにからめて食べたら超美味しい！</a:t>
-            </a:r>
-            <a:br>
-              <a:rPr lang="ja-JP" altLang="en-US" sz="1000" dirty="0"/>
-            </a:br>
-            <a:r>
-              <a:rPr lang="en-US" altLang="ja-JP" sz="1000" dirty="0"/>
-              <a:t>¥</a:t>
-            </a:r>
-            <a:r>
-              <a:rPr lang="en-US" altLang="ja-JP" sz="1000" dirty="0" smtClean="0"/>
-              <a:t>380</a:t>
-            </a:r>
-            <a:r>
-              <a:rPr lang="ja-JP" altLang="en-US" sz="1000" dirty="0"/>
-              <a:t>（税込）</a:t>
-            </a:r>
-          </a:p>
-          <a:p>
-            <a:endParaRPr kumimoji="1" lang="ja-JP" altLang="en-US" dirty="0"/>
-          </a:p>
-        </p:txBody>
-      </p:sp>
-      <p:sp>
-        <p:nvSpPr>
-          <p:cNvPr id="13" name="テキスト ボックス 12"/>
+              <a:t>（税込</a:t>
+            </a:r>
+            <a:r>
+              <a:rPr lang="ja-JP" altLang="en-US" sz="1000" dirty="0" smtClean="0"/>
+              <a:t>）</a:t>
+            </a:r>
+            <a:endParaRPr lang="ja-JP" altLang="en-US" sz="1000" dirty="0"/>
+          </a:p>
+        </p:txBody>
+      </p:sp>
+      <p:sp>
+        <p:nvSpPr>
+          <p:cNvPr id="19" name="テキスト ボックス 18"/>
           <p:cNvSpPr txBox="1"/>
           <p:nvPr/>
         </p:nvSpPr>
         <p:spPr>
           <a:xfrm>
-            <a:off x="4663993" y="8665383"/>
-            <a:ext cx="2066540" cy="1446550"/>
+            <a:off x="390194" y="5315781"/>
+            <a:ext cx="2800566" cy="1692771"/>
           </a:xfrm>
           <a:prstGeom prst="rect">
             <a:avLst/>
@@ -5774,48 +5300,330 @@
           <a:p>
             <a:pPr fontAlgn="base"/>
             <a:r>
+              <a:rPr lang="en-US" altLang="ja-JP" sz="1100" b="1" dirty="0"/>
+              <a:t>C</a:t>
+            </a:r>
+            <a:r>
+              <a:rPr lang="ja-JP" altLang="en-US" sz="1100" b="1" dirty="0" smtClean="0"/>
+              <a:t>セット</a:t>
+            </a:r>
+            <a:r>
               <a:rPr lang="ja-JP" altLang="en-US" sz="1100" b="1" dirty="0"/>
-              <a:t>マーマレードソースの</a:t>
+              <a:t/>
             </a:r>
             <a:br>
               <a:rPr lang="ja-JP" altLang="en-US" sz="1100" b="1" dirty="0"/>
             </a:br>
             <a:r>
               <a:rPr lang="ja-JP" altLang="en-US" sz="1100" b="1" dirty="0"/>
-              <a:t>ヨーグルト</a:t>
+              <a:t>豚の角煮ご飯セット</a:t>
             </a:r>
           </a:p>
           <a:p>
             <a:pPr fontAlgn="base"/>
             <a:r>
+              <a:rPr lang="ja-JP" altLang="en-US" sz="1100" b="1" dirty="0"/>
+              <a:t>人気の豚の角煮ご飯とふぉーのセット！（お好きなふぉーが選べます）</a:t>
+            </a:r>
+            <a:endParaRPr lang="ja-JP" altLang="en-US" sz="1100" dirty="0"/>
+          </a:p>
+          <a:p>
+            <a:pPr fontAlgn="base"/>
+            <a:r>
               <a:rPr lang="ja-JP" altLang="en-US" sz="1000" dirty="0"/>
-              <a:t>甘さ控えめのマーマレードソースをコーンフレークにからめて食べたら超美味しい！</a:t>
+              <a:t>（お好きなふぉー・豚の角煮ご飯・自家製なます）</a:t>
+            </a:r>
+          </a:p>
+          <a:p>
+            <a:pPr fontAlgn="base"/>
+            <a:r>
+              <a:rPr lang="en-US" altLang="ja-JP" sz="1000" dirty="0"/>
+              <a:t>¥1,050</a:t>
+            </a:r>
+            <a:r>
+              <a:rPr lang="ja-JP" altLang="en-US" sz="1000" dirty="0"/>
+              <a:t>～（税込）</a:t>
+            </a:r>
+          </a:p>
+          <a:p>
+            <a:pPr fontAlgn="base"/>
+            <a:r>
+              <a:rPr lang="ja-JP" altLang="en-US" sz="1000" dirty="0"/>
+              <a:t>価格はふぉーによって変わります。</a:t>
+            </a:r>
+            <a:r>
+              <a:rPr lang="en-US" altLang="ja-JP" sz="1000" dirty="0"/>
+              <a:t>※</a:t>
+            </a:r>
+            <a:r>
+              <a:rPr lang="ja-JP" altLang="en-US" sz="1000" dirty="0"/>
+              <a:t>写真はふぉー・ぼー（牛のふぉー）、ふぉー・がーの場合は</a:t>
+            </a:r>
+            <a:r>
+              <a:rPr lang="en-US" altLang="ja-JP" sz="1000" dirty="0"/>
+              <a:t>980</a:t>
+            </a:r>
+            <a:r>
+              <a:rPr lang="ja-JP" altLang="en-US" sz="1000" dirty="0"/>
+              <a:t>円 </a:t>
+            </a:r>
+          </a:p>
+        </p:txBody>
+      </p:sp>
+      <p:sp>
+        <p:nvSpPr>
+          <p:cNvPr id="20" name="テキスト ボックス 19"/>
+          <p:cNvSpPr txBox="1"/>
+          <p:nvPr/>
+        </p:nvSpPr>
+        <p:spPr>
+          <a:xfrm>
+            <a:off x="3829048" y="5350245"/>
+            <a:ext cx="2705100" cy="1231106"/>
+          </a:xfrm>
+          <a:prstGeom prst="rect">
+            <a:avLst/>
+          </a:prstGeom>
+          <a:noFill/>
+        </p:spPr>
+        <p:txBody>
+          <a:bodyPr wrap="square" rtlCol="0">
+            <a:spAutoFit/>
+          </a:bodyPr>
+          <a:lstStyle/>
+          <a:p>
+            <a:pPr fontAlgn="base"/>
+            <a:r>
+              <a:rPr lang="en-US" altLang="ja-JP" sz="1100" b="1" dirty="0"/>
+              <a:t>D</a:t>
+            </a:r>
+            <a:r>
+              <a:rPr lang="ja-JP" altLang="en-US" sz="1100" b="1" dirty="0" smtClean="0"/>
+              <a:t>セット</a:t>
+            </a:r>
+            <a:r>
+              <a:rPr lang="ja-JP" altLang="en-US" sz="1100" b="1" dirty="0"/>
+              <a:t/>
+            </a:r>
+            <a:br>
+              <a:rPr lang="ja-JP" altLang="en-US" sz="1100" b="1" dirty="0"/>
+            </a:br>
+            <a:r>
+              <a:rPr lang="ja-JP" altLang="en-US" sz="1100" b="1" dirty="0"/>
+              <a:t>ヘルシー野菜セット</a:t>
+            </a:r>
+          </a:p>
+          <a:p>
+            <a:pPr fontAlgn="base"/>
+            <a:r>
+              <a:rPr lang="ja-JP" altLang="en-US" sz="1100" b="1" dirty="0"/>
+              <a:t>カロリーが気になる方、野菜をたっぷり摂りたい方におすすめです！</a:t>
+            </a:r>
+            <a:r>
+              <a:rPr lang="ja-JP" altLang="en-US" dirty="0"/>
+              <a:t/>
+            </a:r>
+            <a:br>
+              <a:rPr lang="ja-JP" altLang="en-US" dirty="0"/>
+            </a:br>
+            <a:r>
+              <a:rPr lang="ja-JP" altLang="en-US" sz="1000" dirty="0"/>
+              <a:t>（とりのふぉー・生春巻き</a:t>
+            </a:r>
+            <a:r>
+              <a:rPr lang="en-US" altLang="ja-JP" sz="1000" dirty="0"/>
+              <a:t>1</a:t>
+            </a:r>
+            <a:r>
+              <a:rPr lang="ja-JP" altLang="en-US" sz="1000" dirty="0"/>
+              <a:t>コ・旬の野菜サラダ・ミニデザート・自家製なます）</a:t>
             </a:r>
             <a:br>
               <a:rPr lang="ja-JP" altLang="en-US" sz="1000" dirty="0"/>
             </a:br>
             <a:r>
               <a:rPr lang="en-US" altLang="ja-JP" sz="1000" dirty="0"/>
-              <a:t>¥380</a:t>
+              <a:t>¥980</a:t>
             </a:r>
             <a:r>
               <a:rPr lang="ja-JP" altLang="en-US" sz="1000" dirty="0"/>
               <a:t>（税込</a:t>
             </a:r>
             <a:r>
+              <a:rPr lang="ja-JP" altLang="en-US" sz="1000" dirty="0" smtClean="0"/>
+              <a:t>）</a:t>
+            </a:r>
+            <a:endParaRPr lang="ja-JP" altLang="en-US" sz="1000" dirty="0"/>
+          </a:p>
+        </p:txBody>
+      </p:sp>
+      <p:sp>
+        <p:nvSpPr>
+          <p:cNvPr id="21" name="テキスト ボックス 20"/>
+          <p:cNvSpPr txBox="1"/>
+          <p:nvPr/>
+        </p:nvSpPr>
+        <p:spPr>
+          <a:xfrm>
+            <a:off x="390194" y="8510637"/>
+            <a:ext cx="2790929" cy="1231106"/>
+          </a:xfrm>
+          <a:prstGeom prst="rect">
+            <a:avLst/>
+          </a:prstGeom>
+          <a:noFill/>
+        </p:spPr>
+        <p:txBody>
+          <a:bodyPr wrap="square" rtlCol="0">
+            <a:spAutoFit/>
+          </a:bodyPr>
+          <a:lstStyle/>
+          <a:p>
+            <a:pPr fontAlgn="base"/>
+            <a:r>
+              <a:rPr lang="en-US" altLang="ja-JP" sz="1100" b="1" dirty="0"/>
+              <a:t>E</a:t>
+            </a:r>
+            <a:r>
+              <a:rPr lang="ja-JP" altLang="en-US" sz="1100" b="1" dirty="0" smtClean="0"/>
+              <a:t>セット</a:t>
+            </a:r>
+            <a:r>
+              <a:rPr lang="ja-JP" altLang="en-US" sz="1100" b="1" dirty="0"/>
+              <a:t/>
+            </a:r>
+            <a:br>
+              <a:rPr lang="ja-JP" altLang="en-US" sz="1100" b="1" dirty="0"/>
+            </a:br>
+            <a:r>
+              <a:rPr lang="ja-JP" altLang="en-US" sz="1100" b="1" dirty="0"/>
+              <a:t>じゃ～じゃ～セット</a:t>
+            </a:r>
+          </a:p>
+          <a:p>
+            <a:pPr fontAlgn="base"/>
+            <a:r>
+              <a:rPr lang="ja-JP" altLang="en-US" sz="1100" b="1" dirty="0"/>
+              <a:t>残ったじゃ～じゃ～とジャスミンライスを混ぜて食べれば超病みつきです！</a:t>
+            </a:r>
+            <a:endParaRPr lang="ja-JP" altLang="en-US" sz="1100" dirty="0"/>
+          </a:p>
+          <a:p>
+            <a:pPr fontAlgn="base"/>
+            <a:r>
+              <a:rPr lang="ja-JP" altLang="en-US" sz="1000" dirty="0"/>
+              <a:t>（じゃ～じゃ～風味汁なしふぉー・生春巻き</a:t>
+            </a:r>
+            <a:r>
+              <a:rPr lang="en-US" altLang="ja-JP" sz="1000" dirty="0"/>
+              <a:t>1</a:t>
+            </a:r>
+            <a:r>
+              <a:rPr lang="ja-JP" altLang="en-US" sz="1000" dirty="0"/>
+              <a:t>コ・ジャスミンライス・自家製なます）</a:t>
+            </a:r>
+          </a:p>
+          <a:p>
+            <a:pPr fontAlgn="base"/>
+            <a:r>
+              <a:rPr lang="en-US" altLang="ja-JP" sz="1000" dirty="0"/>
+              <a:t>¥980</a:t>
+            </a:r>
+            <a:r>
+              <a:rPr lang="ja-JP" altLang="en-US" sz="1000" dirty="0"/>
+              <a:t>（税込</a:t>
+            </a:r>
+            <a:r>
+              <a:rPr lang="ja-JP" altLang="en-US" sz="1000" dirty="0" smtClean="0"/>
+              <a:t>）</a:t>
+            </a:r>
+            <a:endParaRPr lang="ja-JP" altLang="en-US" sz="1000" dirty="0"/>
+          </a:p>
+        </p:txBody>
+      </p:sp>
+      <p:sp>
+        <p:nvSpPr>
+          <p:cNvPr id="22" name="テキスト ボックス 21"/>
+          <p:cNvSpPr txBox="1"/>
+          <p:nvPr/>
+        </p:nvSpPr>
+        <p:spPr>
+          <a:xfrm>
+            <a:off x="3771951" y="8508789"/>
+            <a:ext cx="2705100" cy="1200329"/>
+          </a:xfrm>
+          <a:prstGeom prst="rect">
+            <a:avLst/>
+          </a:prstGeom>
+          <a:noFill/>
+        </p:spPr>
+        <p:txBody>
+          <a:bodyPr wrap="square" rtlCol="0">
+            <a:spAutoFit/>
+          </a:bodyPr>
+          <a:lstStyle/>
+          <a:p>
+            <a:pPr fontAlgn="base"/>
+            <a:r>
+              <a:rPr lang="en-US" altLang="ja-JP" sz="1100" b="1" dirty="0"/>
+              <a:t>F</a:t>
+            </a:r>
+            <a:r>
+              <a:rPr lang="ja-JP" altLang="en-US" sz="1100" b="1" dirty="0" smtClean="0"/>
+              <a:t>セット</a:t>
+            </a:r>
+            <a:r>
+              <a:rPr lang="ja-JP" altLang="en-US" sz="1100" b="1" dirty="0"/>
+              <a:t/>
+            </a:r>
+            <a:br>
+              <a:rPr lang="ja-JP" altLang="en-US" sz="1100" b="1" dirty="0"/>
+            </a:br>
+            <a:r>
+              <a:rPr lang="ja-JP" altLang="en-US" sz="1100" b="1" dirty="0"/>
+              <a:t>ピリ辛ガー丼セット</a:t>
+            </a:r>
+          </a:p>
+          <a:p>
+            <a:pPr fontAlgn="base"/>
+            <a:r>
+              <a:rPr lang="ja-JP" altLang="en-US" sz="1100" b="1" dirty="0"/>
+              <a:t>スタッフイチオシのガーどんぶりは、満足して頂ける美味しさです！</a:t>
+            </a:r>
+            <a:r>
               <a:rPr lang="ja-JP" altLang="en-US" dirty="0"/>
+              <a:t/>
+            </a:r>
+            <a:br>
+              <a:rPr lang="ja-JP" altLang="en-US" dirty="0"/>
+            </a:br>
+            <a:r>
+              <a:rPr lang="ja-JP" altLang="en-US" dirty="0"/>
+              <a:t/>
+            </a:r>
+            <a:br>
+              <a:rPr lang="ja-JP" altLang="en-US" dirty="0"/>
+            </a:br>
+            <a:r>
+              <a:rPr lang="en-US" altLang="ja-JP" sz="1000" dirty="0"/>
+              <a:t>¥980</a:t>
+            </a:r>
+            <a:r>
+              <a:rPr lang="ja-JP" altLang="en-US" sz="1000" dirty="0"/>
+              <a:t>（税込</a:t>
+            </a:r>
+            <a:r>
+              <a:rPr lang="ja-JP" altLang="en-US" sz="1000" dirty="0" smtClean="0"/>
               <a:t>）</a:t>
             </a:r>
-          </a:p>
-          <a:p>
-            <a:endParaRPr kumimoji="1" lang="ja-JP" altLang="en-US" dirty="0"/>
+            <a:endParaRPr lang="ja-JP" altLang="en-US" sz="1000" dirty="0"/>
           </a:p>
         </p:txBody>
       </p:sp>
     </p:spTree>
     <p:extLst>
       <p:ext uri="{BB962C8B-B14F-4D97-AF65-F5344CB8AC3E}">
-        <p14:creationId xmlns:p14="http://schemas.microsoft.com/office/powerpoint/2010/main" val="2527413405"/>
+        <p14:creationId xmlns:p14="http://schemas.microsoft.com/office/powerpoint/2010/main" val="1648364742"/>
       </p:ext>
     </p:extLst>
   </p:cSld>
@@ -5854,6 +5662,859 @@
         </p:nvSpPr>
         <p:spPr>
           <a:xfrm>
+            <a:off x="0" y="0"/>
+            <a:ext cx="6858000" cy="666750"/>
+          </a:xfrm>
+          <a:solidFill>
+            <a:schemeClr val="accent2">
+              <a:lumMod val="20000"/>
+              <a:lumOff val="80000"/>
+            </a:schemeClr>
+          </a:solidFill>
+        </p:spPr>
+        <p:txBody>
+          <a:bodyPr>
+            <a:normAutofit/>
+          </a:bodyPr>
+          <a:lstStyle/>
+          <a:p>
+            <a:pPr algn="ctr"/>
+            <a:r>
+              <a:rPr kumimoji="1" lang="ja-JP" altLang="en-US" dirty="0" smtClean="0">
+                <a:solidFill>
+                  <a:srgbClr val="FF0000"/>
+                </a:solidFill>
+              </a:rPr>
+              <a:t>ドリンク・デザート</a:t>
+            </a:r>
+            <a:endParaRPr kumimoji="1" lang="ja-JP" altLang="en-US" dirty="0">
+              <a:solidFill>
+                <a:srgbClr val="FF0000"/>
+              </a:solidFill>
+            </a:endParaRPr>
+          </a:p>
+        </p:txBody>
+      </p:sp>
+      <p:sp>
+        <p:nvSpPr>
+          <p:cNvPr id="3" name="テキスト ボックス 2"/>
+          <p:cNvSpPr txBox="1"/>
+          <p:nvPr/>
+        </p:nvSpPr>
+        <p:spPr>
+          <a:xfrm>
+            <a:off x="0" y="735211"/>
+            <a:ext cx="3638550" cy="4308872"/>
+          </a:xfrm>
+          <a:prstGeom prst="rect">
+            <a:avLst/>
+          </a:prstGeom>
+          <a:noFill/>
+        </p:spPr>
+        <p:txBody>
+          <a:bodyPr wrap="square" rtlCol="0">
+            <a:spAutoFit/>
+          </a:bodyPr>
+          <a:lstStyle/>
+          <a:p>
+            <a:r>
+              <a:rPr kumimoji="1" lang="ja-JP" altLang="en-US" u="sng" dirty="0" smtClean="0"/>
+              <a:t>アルコール</a:t>
+            </a:r>
+            <a:endParaRPr kumimoji="1" lang="en-US" altLang="ja-JP" u="sng" dirty="0" smtClean="0"/>
+          </a:p>
+          <a:p>
+            <a:r>
+              <a:rPr kumimoji="1" lang="ja-JP" altLang="en-US" sz="1600" dirty="0" smtClean="0"/>
+              <a:t>ビール</a:t>
+            </a:r>
+            <a:r>
+              <a:rPr kumimoji="1" lang="en-US" altLang="ja-JP" sz="1600" dirty="0" smtClean="0"/>
+              <a:t>				</a:t>
+            </a:r>
+            <a:r>
+              <a:rPr kumimoji="1" lang="en-US" altLang="ja-JP" sz="1600" dirty="0"/>
+              <a:t>	</a:t>
+            </a:r>
+            <a:r>
+              <a:rPr kumimoji="1" lang="en-US" altLang="ja-JP" sz="1600" dirty="0" smtClean="0"/>
+              <a:t>480</a:t>
+            </a:r>
+            <a:r>
+              <a:rPr kumimoji="1" lang="ja-JP" altLang="en-US" sz="1600" dirty="0" smtClean="0"/>
+              <a:t>￥</a:t>
+            </a:r>
+            <a:endParaRPr kumimoji="1" lang="en-US" altLang="ja-JP" sz="1600" dirty="0" smtClean="0"/>
+          </a:p>
+          <a:p>
+            <a:r>
+              <a:rPr kumimoji="1" lang="en-US" altLang="ja-JP" sz="1600" dirty="0" smtClean="0"/>
+              <a:t>333</a:t>
+            </a:r>
+            <a:r>
+              <a:rPr kumimoji="1" lang="ja-JP" altLang="en-US" sz="1600" dirty="0" smtClean="0"/>
+              <a:t>ビール</a:t>
+            </a:r>
+            <a:r>
+              <a:rPr kumimoji="1" lang="en-US" altLang="ja-JP" sz="1600" dirty="0" smtClean="0"/>
+              <a:t>			580</a:t>
+            </a:r>
+            <a:r>
+              <a:rPr kumimoji="1" lang="ja-JP" altLang="en-US" sz="1600" dirty="0" smtClean="0"/>
+              <a:t>￥</a:t>
+            </a:r>
+            <a:endParaRPr kumimoji="1" lang="en-US" altLang="ja-JP" sz="1600" dirty="0" smtClean="0"/>
+          </a:p>
+          <a:p>
+            <a:r>
+              <a:rPr kumimoji="1" lang="ja-JP" altLang="en-US" sz="1600" dirty="0" smtClean="0"/>
+              <a:t>サワープレーン</a:t>
+            </a:r>
+            <a:r>
+              <a:rPr kumimoji="1" lang="en-US" altLang="ja-JP" sz="1600" dirty="0" smtClean="0"/>
+              <a:t>		</a:t>
+            </a:r>
+            <a:r>
+              <a:rPr kumimoji="1" lang="en-US" altLang="ja-JP" sz="1600" dirty="0"/>
+              <a:t>	</a:t>
+            </a:r>
+            <a:r>
+              <a:rPr kumimoji="1" lang="en-US" altLang="ja-JP" sz="1600" dirty="0" smtClean="0"/>
+              <a:t>450</a:t>
+            </a:r>
+            <a:r>
+              <a:rPr kumimoji="1" lang="ja-JP" altLang="en-US" sz="1600" dirty="0" smtClean="0"/>
+              <a:t>￥</a:t>
+            </a:r>
+            <a:endParaRPr kumimoji="1" lang="en-US" altLang="ja-JP" sz="1600" dirty="0" smtClean="0"/>
+          </a:p>
+          <a:p>
+            <a:r>
+              <a:rPr kumimoji="1" lang="ja-JP" altLang="en-US" sz="1600" dirty="0" smtClean="0"/>
+              <a:t>ハイポール</a:t>
+            </a:r>
+            <a:r>
+              <a:rPr kumimoji="1" lang="en-US" altLang="ja-JP" sz="1600" dirty="0" smtClean="0"/>
+              <a:t>			</a:t>
+            </a:r>
+            <a:r>
+              <a:rPr kumimoji="1" lang="en-US" altLang="ja-JP" sz="1600" dirty="0"/>
+              <a:t>	</a:t>
+            </a:r>
+            <a:r>
+              <a:rPr kumimoji="1" lang="en-US" altLang="ja-JP" sz="1600" dirty="0" smtClean="0"/>
+              <a:t>480</a:t>
+            </a:r>
+            <a:r>
+              <a:rPr kumimoji="1" lang="ja-JP" altLang="en-US" sz="1600" dirty="0" smtClean="0"/>
+              <a:t>￥</a:t>
+            </a:r>
+            <a:endParaRPr kumimoji="1" lang="en-US" altLang="ja-JP" sz="1600" dirty="0" smtClean="0"/>
+          </a:p>
+          <a:p>
+            <a:r>
+              <a:rPr kumimoji="1" lang="ja-JP" altLang="en-US" sz="1600" dirty="0" smtClean="0"/>
+              <a:t>レモンサワー</a:t>
+            </a:r>
+            <a:r>
+              <a:rPr kumimoji="1" lang="en-US" altLang="ja-JP" sz="1600" dirty="0" smtClean="0"/>
+              <a:t>				480</a:t>
+            </a:r>
+            <a:r>
+              <a:rPr kumimoji="1" lang="ja-JP" altLang="en-US" sz="1600" dirty="0" smtClean="0"/>
+              <a:t>￥</a:t>
+            </a:r>
+            <a:endParaRPr kumimoji="1" lang="en-US" altLang="ja-JP" sz="1600" dirty="0" smtClean="0"/>
+          </a:p>
+          <a:p>
+            <a:r>
+              <a:rPr kumimoji="1" lang="ja-JP" altLang="en-US" sz="1600" dirty="0" smtClean="0"/>
+              <a:t>ライムサワー</a:t>
+            </a:r>
+            <a:r>
+              <a:rPr kumimoji="1" lang="en-US" altLang="ja-JP" sz="1600" dirty="0" smtClean="0"/>
+              <a:t>				480</a:t>
+            </a:r>
+            <a:r>
+              <a:rPr kumimoji="1" lang="ja-JP" altLang="en-US" sz="1600" dirty="0" smtClean="0"/>
+              <a:t>￥</a:t>
+            </a:r>
+            <a:endParaRPr kumimoji="1" lang="en-US" altLang="ja-JP" sz="1600" dirty="0" smtClean="0"/>
+          </a:p>
+          <a:p>
+            <a:r>
+              <a:rPr kumimoji="1" lang="ja-JP" altLang="en-US" sz="1600" dirty="0" smtClean="0"/>
+              <a:t>日本酒（冷）</a:t>
+            </a:r>
+            <a:r>
+              <a:rPr kumimoji="1" lang="en-US" altLang="ja-JP" sz="1600" dirty="0" smtClean="0"/>
+              <a:t>				800</a:t>
+            </a:r>
+            <a:r>
+              <a:rPr kumimoji="1" lang="ja-JP" altLang="en-US" sz="1600" dirty="0" smtClean="0"/>
+              <a:t>￥</a:t>
+            </a:r>
+            <a:endParaRPr kumimoji="1" lang="en-US" altLang="ja-JP" sz="1600" dirty="0" smtClean="0"/>
+          </a:p>
+          <a:p>
+            <a:r>
+              <a:rPr kumimoji="1" lang="ja-JP" altLang="en-US" sz="1600" dirty="0" smtClean="0"/>
+              <a:t>日本酒（温）</a:t>
+            </a:r>
+            <a:r>
+              <a:rPr kumimoji="1" lang="en-US" altLang="ja-JP" sz="1600" dirty="0" smtClean="0"/>
+              <a:t>				580</a:t>
+            </a:r>
+            <a:r>
+              <a:rPr kumimoji="1" lang="ja-JP" altLang="en-US" sz="1600" dirty="0" smtClean="0"/>
+              <a:t>￥</a:t>
+            </a:r>
+            <a:endParaRPr kumimoji="1" lang="en-US" altLang="ja-JP" sz="1600" dirty="0" smtClean="0"/>
+          </a:p>
+          <a:p>
+            <a:r>
+              <a:rPr kumimoji="1" lang="ja-JP" altLang="en-US" sz="1600" dirty="0" smtClean="0"/>
+              <a:t>焼酎（令・温）</a:t>
+            </a:r>
+            <a:r>
+              <a:rPr kumimoji="1" lang="en-US" altLang="ja-JP" sz="1600" dirty="0" smtClean="0"/>
+              <a:t>			480</a:t>
+            </a:r>
+            <a:r>
+              <a:rPr kumimoji="1" lang="ja-JP" altLang="en-US" sz="1600" dirty="0" smtClean="0"/>
+              <a:t>￥</a:t>
+            </a:r>
+            <a:endParaRPr kumimoji="1" lang="en-US" altLang="ja-JP" sz="1600" dirty="0" smtClean="0"/>
+          </a:p>
+          <a:p>
+            <a:r>
+              <a:rPr lang="ja-JP" altLang="en-US" sz="1600" dirty="0" smtClean="0"/>
+              <a:t>カシスオレンジ</a:t>
+            </a:r>
+            <a:r>
+              <a:rPr lang="en-US" altLang="ja-JP" sz="1600" dirty="0" smtClean="0"/>
+              <a:t>			580</a:t>
+            </a:r>
+            <a:r>
+              <a:rPr lang="ja-JP" altLang="en-US" sz="1600" dirty="0" smtClean="0"/>
+              <a:t>￥</a:t>
+            </a:r>
+            <a:endParaRPr lang="en-US" altLang="ja-JP" sz="1600" dirty="0" smtClean="0"/>
+          </a:p>
+          <a:p>
+            <a:r>
+              <a:rPr lang="ja-JP" altLang="en-US" sz="1600" dirty="0" smtClean="0"/>
+              <a:t>カンパリオレンジ</a:t>
+            </a:r>
+            <a:r>
+              <a:rPr lang="en-US" altLang="ja-JP" sz="1600" dirty="0" smtClean="0"/>
+              <a:t>			580</a:t>
+            </a:r>
+            <a:r>
+              <a:rPr lang="ja-JP" altLang="en-US" sz="1600" dirty="0" smtClean="0"/>
+              <a:t>￥</a:t>
+            </a:r>
+            <a:endParaRPr lang="en-US" altLang="ja-JP" sz="1600" dirty="0" smtClean="0"/>
+          </a:p>
+          <a:p>
+            <a:r>
+              <a:rPr lang="ja-JP" altLang="en-US" sz="1600" dirty="0" smtClean="0"/>
+              <a:t>ブルドッグ</a:t>
+            </a:r>
+            <a:r>
+              <a:rPr kumimoji="1" lang="en-US" altLang="ja-JP" sz="1600" dirty="0" smtClean="0"/>
+              <a:t>				580</a:t>
+            </a:r>
+            <a:r>
+              <a:rPr kumimoji="1" lang="ja-JP" altLang="en-US" sz="1600" dirty="0" smtClean="0"/>
+              <a:t>￥</a:t>
+            </a:r>
+            <a:endParaRPr kumimoji="1" lang="en-US" altLang="ja-JP" sz="1600" dirty="0" smtClean="0"/>
+          </a:p>
+          <a:p>
+            <a:r>
+              <a:rPr lang="ja-JP" altLang="en-US" sz="1600" dirty="0" smtClean="0"/>
+              <a:t>パクチーモヒート</a:t>
+            </a:r>
+            <a:r>
+              <a:rPr lang="en-US" altLang="ja-JP" sz="1600" dirty="0"/>
+              <a:t>	</a:t>
+            </a:r>
+            <a:r>
+              <a:rPr lang="en-US" altLang="ja-JP" sz="1600" dirty="0" smtClean="0"/>
+              <a:t>		580</a:t>
+            </a:r>
+            <a:r>
+              <a:rPr lang="ja-JP" altLang="en-US" sz="1600" dirty="0" smtClean="0"/>
+              <a:t>￥</a:t>
+            </a:r>
+            <a:endParaRPr lang="en-US" altLang="ja-JP" sz="1600" dirty="0" smtClean="0"/>
+          </a:p>
+          <a:p>
+            <a:r>
+              <a:rPr lang="ja-JP" altLang="en-US" sz="1600" dirty="0"/>
+              <a:t>ライト・オン・</a:t>
+            </a:r>
+            <a:r>
+              <a:rPr lang="ja-JP" altLang="en-US" sz="1600" dirty="0" smtClean="0"/>
+              <a:t>ディタ</a:t>
+            </a:r>
+            <a:r>
+              <a:rPr lang="en-US" altLang="ja-JP" sz="1600" dirty="0" smtClean="0"/>
+              <a:t>		580</a:t>
+            </a:r>
+            <a:r>
+              <a:rPr lang="ja-JP" altLang="en-US" sz="1600" dirty="0" smtClean="0"/>
+              <a:t>￥</a:t>
+            </a:r>
+            <a:endParaRPr lang="en-US" altLang="ja-JP" sz="1600" dirty="0" smtClean="0"/>
+          </a:p>
+          <a:p>
+            <a:r>
+              <a:rPr lang="ja-JP" altLang="en-US" sz="1600" dirty="0" smtClean="0"/>
+              <a:t>梅酒</a:t>
+            </a:r>
+            <a:r>
+              <a:rPr lang="ja-JP" altLang="en-US" sz="1600" dirty="0"/>
+              <a:t>（ソーダー・</a:t>
+            </a:r>
+            <a:r>
+              <a:rPr lang="ja-JP" altLang="en-US" sz="1600" dirty="0" smtClean="0"/>
+              <a:t>ロック</a:t>
+            </a:r>
+            <a:r>
+              <a:rPr lang="en-US" altLang="ja-JP" sz="1600" dirty="0" smtClean="0"/>
+              <a:t>		580</a:t>
+            </a:r>
+            <a:r>
+              <a:rPr lang="ja-JP" altLang="en-US" sz="1600" dirty="0" smtClean="0"/>
+              <a:t>￥</a:t>
+            </a:r>
+            <a:endParaRPr lang="en-US" altLang="ja-JP" sz="1600" dirty="0" smtClean="0"/>
+          </a:p>
+          <a:p>
+            <a:r>
+              <a:rPr lang="ja-JP" altLang="en-US" sz="1600" dirty="0"/>
+              <a:t>ライチ（ソーダー・</a:t>
+            </a:r>
+            <a:r>
+              <a:rPr lang="ja-JP" altLang="en-US" sz="1600" dirty="0" smtClean="0"/>
+              <a:t>ロック）</a:t>
+            </a:r>
+            <a:r>
+              <a:rPr lang="en-US" altLang="ja-JP" sz="1600" dirty="0" smtClean="0"/>
+              <a:t>	580</a:t>
+            </a:r>
+            <a:r>
+              <a:rPr lang="ja-JP" altLang="en-US" sz="1600" dirty="0"/>
+              <a:t>￥</a:t>
+            </a:r>
+            <a:endParaRPr kumimoji="1" lang="en-US" altLang="ja-JP" sz="1600" dirty="0" smtClean="0"/>
+          </a:p>
+        </p:txBody>
+      </p:sp>
+      <p:sp>
+        <p:nvSpPr>
+          <p:cNvPr id="6" name="テキスト ボックス 5"/>
+          <p:cNvSpPr txBox="1"/>
+          <p:nvPr/>
+        </p:nvSpPr>
+        <p:spPr>
+          <a:xfrm>
+            <a:off x="3638550" y="741045"/>
+            <a:ext cx="3429000" cy="2339102"/>
+          </a:xfrm>
+          <a:prstGeom prst="rect">
+            <a:avLst/>
+          </a:prstGeom>
+          <a:noFill/>
+        </p:spPr>
+        <p:txBody>
+          <a:bodyPr wrap="square" rtlCol="0">
+            <a:spAutoFit/>
+          </a:bodyPr>
+          <a:lstStyle/>
+          <a:p>
+            <a:r>
+              <a:rPr kumimoji="1" lang="ja-JP" altLang="en-US" u="sng" dirty="0" smtClean="0"/>
+              <a:t>ソフトドリング</a:t>
+            </a:r>
+            <a:endParaRPr kumimoji="1" lang="en-US" altLang="ja-JP" u="sng" dirty="0" smtClean="0"/>
+          </a:p>
+          <a:p>
+            <a:r>
+              <a:rPr kumimoji="1" lang="ja-JP" altLang="en-US" sz="1600" dirty="0" smtClean="0"/>
+              <a:t>コーラ</a:t>
+            </a:r>
+            <a:r>
+              <a:rPr kumimoji="1" lang="en-US" altLang="ja-JP" sz="1600" dirty="0" smtClean="0"/>
+              <a:t>				380</a:t>
+            </a:r>
+            <a:r>
+              <a:rPr kumimoji="1" lang="ja-JP" altLang="en-US" sz="1600" dirty="0" smtClean="0"/>
+              <a:t>￥</a:t>
+            </a:r>
+            <a:endParaRPr kumimoji="1" lang="en-US" altLang="ja-JP" sz="1600" dirty="0" smtClean="0"/>
+          </a:p>
+          <a:p>
+            <a:r>
+              <a:rPr kumimoji="1" lang="ja-JP" altLang="en-US" sz="1600" dirty="0" smtClean="0"/>
+              <a:t>ジンジャーエール</a:t>
+            </a:r>
+            <a:r>
+              <a:rPr kumimoji="1" lang="en-US" altLang="ja-JP" sz="1600" dirty="0" smtClean="0"/>
+              <a:t>		380</a:t>
+            </a:r>
+            <a:r>
+              <a:rPr kumimoji="1" lang="ja-JP" altLang="en-US" sz="1600" dirty="0" smtClean="0"/>
+              <a:t>￥</a:t>
+            </a:r>
+            <a:endParaRPr kumimoji="1" lang="en-US" altLang="ja-JP" sz="1600" dirty="0" smtClean="0"/>
+          </a:p>
+          <a:p>
+            <a:r>
+              <a:rPr kumimoji="1" lang="ja-JP" altLang="en-US" sz="1600" dirty="0" smtClean="0"/>
+              <a:t>カルピス</a:t>
+            </a:r>
+            <a:r>
+              <a:rPr kumimoji="1" lang="en-US" altLang="ja-JP" sz="1600" dirty="0" smtClean="0"/>
+              <a:t>				380</a:t>
+            </a:r>
+            <a:r>
+              <a:rPr kumimoji="1" lang="ja-JP" altLang="en-US" sz="1600" dirty="0" smtClean="0"/>
+              <a:t>￥</a:t>
+            </a:r>
+            <a:endParaRPr kumimoji="1" lang="en-US" altLang="ja-JP" sz="1600" dirty="0" smtClean="0"/>
+          </a:p>
+          <a:p>
+            <a:r>
+              <a:rPr kumimoji="1" lang="ja-JP" altLang="en-US" sz="1600" dirty="0" smtClean="0"/>
+              <a:t>オレンジジュース</a:t>
+            </a:r>
+            <a:r>
+              <a:rPr kumimoji="1" lang="en-US" altLang="ja-JP" sz="1600" dirty="0" smtClean="0"/>
+              <a:t>		380</a:t>
+            </a:r>
+            <a:r>
+              <a:rPr kumimoji="1" lang="ja-JP" altLang="en-US" sz="1600" dirty="0" smtClean="0"/>
+              <a:t>￥</a:t>
+            </a:r>
+            <a:endParaRPr kumimoji="1" lang="en-US" altLang="ja-JP" sz="1600" dirty="0" smtClean="0"/>
+          </a:p>
+          <a:p>
+            <a:r>
+              <a:rPr kumimoji="1" lang="ja-JP" altLang="en-US" sz="1600" dirty="0" smtClean="0"/>
+              <a:t>りんごジュース</a:t>
+            </a:r>
+            <a:r>
+              <a:rPr kumimoji="1" lang="en-US" altLang="ja-JP" sz="1600" dirty="0" smtClean="0"/>
+              <a:t>		380</a:t>
+            </a:r>
+            <a:r>
+              <a:rPr kumimoji="1" lang="ja-JP" altLang="en-US" sz="1600" dirty="0" smtClean="0"/>
+              <a:t>￥</a:t>
+            </a:r>
+            <a:endParaRPr kumimoji="1" lang="en-US" altLang="ja-JP" sz="1600" dirty="0" smtClean="0"/>
+          </a:p>
+          <a:p>
+            <a:r>
+              <a:rPr kumimoji="1" lang="ja-JP" altLang="en-US" sz="1600" dirty="0"/>
+              <a:t>ウーロン</a:t>
+            </a:r>
+            <a:r>
+              <a:rPr kumimoji="1" lang="ja-JP" altLang="en-US" sz="1600" dirty="0" smtClean="0"/>
+              <a:t>茶</a:t>
+            </a:r>
+            <a:r>
+              <a:rPr kumimoji="1" lang="en-US" altLang="ja-JP" sz="1600" dirty="0" smtClean="0"/>
+              <a:t>			380</a:t>
+            </a:r>
+            <a:r>
+              <a:rPr kumimoji="1" lang="ja-JP" altLang="en-US" sz="1600" dirty="0" smtClean="0"/>
+              <a:t>￥</a:t>
+            </a:r>
+            <a:endParaRPr kumimoji="1" lang="en-US" altLang="ja-JP" sz="1600" dirty="0" smtClean="0"/>
+          </a:p>
+          <a:p>
+            <a:r>
+              <a:rPr kumimoji="1" lang="ja-JP" altLang="en-US" sz="1600" dirty="0"/>
+              <a:t>生姜</a:t>
+            </a:r>
+            <a:r>
+              <a:rPr kumimoji="1" lang="ja-JP" altLang="en-US" sz="1600" dirty="0" smtClean="0"/>
+              <a:t>甘酒</a:t>
+            </a:r>
+            <a:r>
+              <a:rPr kumimoji="1" lang="en-US" altLang="ja-JP" sz="1600" dirty="0" smtClean="0"/>
+              <a:t>				580</a:t>
+            </a:r>
+            <a:r>
+              <a:rPr kumimoji="1" lang="ja-JP" altLang="en-US" sz="1600" dirty="0" smtClean="0"/>
+              <a:t>￥</a:t>
+            </a:r>
+            <a:endParaRPr kumimoji="1" lang="en-US" altLang="ja-JP" sz="1600" dirty="0" smtClean="0"/>
+          </a:p>
+          <a:p>
+            <a:r>
+              <a:rPr kumimoji="1" lang="ja-JP" altLang="en-US" sz="1600" dirty="0" smtClean="0"/>
+              <a:t>ベトナムコーヒー</a:t>
+            </a:r>
+            <a:r>
+              <a:rPr kumimoji="1" lang="en-US" altLang="ja-JP" sz="1600" dirty="0" smtClean="0"/>
+              <a:t>		480</a:t>
+            </a:r>
+            <a:r>
+              <a:rPr kumimoji="1" lang="ja-JP" altLang="en-US" sz="1600" dirty="0" smtClean="0"/>
+              <a:t>￥</a:t>
+            </a:r>
+            <a:endParaRPr kumimoji="1" lang="ja-JP" altLang="en-US" sz="1600" dirty="0"/>
+          </a:p>
+        </p:txBody>
+      </p:sp>
+      <p:pic>
+        <p:nvPicPr>
+          <p:cNvPr id="7" name="図 6"/>
+          <p:cNvPicPr>
+            <a:picLocks noChangeAspect="1"/>
+          </p:cNvPicPr>
+          <p:nvPr/>
+        </p:nvPicPr>
+        <p:blipFill>
+          <a:blip r:embed="rId2">
+            <a:extLst>
+              <a:ext uri="{28A0092B-C50C-407E-A947-70E740481C1C}">
+                <a14:useLocalDpi xmlns:a14="http://schemas.microsoft.com/office/drawing/2010/main" val="0"/>
+              </a:ext>
+            </a:extLst>
+          </a:blip>
+          <a:stretch>
+            <a:fillRect/>
+          </a:stretch>
+        </p:blipFill>
+        <p:spPr>
+          <a:xfrm>
+            <a:off x="0" y="5112544"/>
+            <a:ext cx="6858000" cy="1745456"/>
+          </a:xfrm>
+          <a:prstGeom prst="rect">
+            <a:avLst/>
+          </a:prstGeom>
+        </p:spPr>
+      </p:pic>
+      <p:pic>
+        <p:nvPicPr>
+          <p:cNvPr id="8" name="図 7"/>
+          <p:cNvPicPr>
+            <a:picLocks noChangeAspect="1"/>
+          </p:cNvPicPr>
+          <p:nvPr/>
+        </p:nvPicPr>
+        <p:blipFill>
+          <a:blip r:embed="rId3" cstate="print">
+            <a:extLst>
+              <a:ext uri="{28A0092B-C50C-407E-A947-70E740481C1C}">
+                <a14:useLocalDpi xmlns:a14="http://schemas.microsoft.com/office/drawing/2010/main" val="0"/>
+              </a:ext>
+            </a:extLst>
+          </a:blip>
+          <a:stretch>
+            <a:fillRect/>
+          </a:stretch>
+        </p:blipFill>
+        <p:spPr>
+          <a:xfrm>
+            <a:off x="77309" y="7076480"/>
+            <a:ext cx="2090737" cy="1566797"/>
+          </a:xfrm>
+          <a:prstGeom prst="rect">
+            <a:avLst/>
+          </a:prstGeom>
+        </p:spPr>
+      </p:pic>
+      <p:pic>
+        <p:nvPicPr>
+          <p:cNvPr id="9" name="図 8"/>
+          <p:cNvPicPr>
+            <a:picLocks noChangeAspect="1"/>
+          </p:cNvPicPr>
+          <p:nvPr/>
+        </p:nvPicPr>
+        <p:blipFill>
+          <a:blip r:embed="rId4" cstate="print">
+            <a:extLst>
+              <a:ext uri="{28A0092B-C50C-407E-A947-70E740481C1C}">
+                <a14:useLocalDpi xmlns:a14="http://schemas.microsoft.com/office/drawing/2010/main" val="0"/>
+              </a:ext>
+            </a:extLst>
+          </a:blip>
+          <a:stretch>
+            <a:fillRect/>
+          </a:stretch>
+        </p:blipFill>
+        <p:spPr>
+          <a:xfrm>
+            <a:off x="2297743" y="7076480"/>
+            <a:ext cx="2093282" cy="1566797"/>
+          </a:xfrm>
+          <a:prstGeom prst="rect">
+            <a:avLst/>
+          </a:prstGeom>
+        </p:spPr>
+      </p:pic>
+      <p:pic>
+        <p:nvPicPr>
+          <p:cNvPr id="10" name="図 9"/>
+          <p:cNvPicPr>
+            <a:picLocks noChangeAspect="1"/>
+          </p:cNvPicPr>
+          <p:nvPr/>
+        </p:nvPicPr>
+        <p:blipFill>
+          <a:blip r:embed="rId5" cstate="print">
+            <a:extLst>
+              <a:ext uri="{28A0092B-C50C-407E-A947-70E740481C1C}">
+                <a14:useLocalDpi xmlns:a14="http://schemas.microsoft.com/office/drawing/2010/main" val="0"/>
+              </a:ext>
+            </a:extLst>
+          </a:blip>
+          <a:stretch>
+            <a:fillRect/>
+          </a:stretch>
+        </p:blipFill>
+        <p:spPr>
+          <a:xfrm>
+            <a:off x="4650418" y="7076480"/>
+            <a:ext cx="2080115" cy="1558837"/>
+          </a:xfrm>
+          <a:prstGeom prst="rect">
+            <a:avLst/>
+          </a:prstGeom>
+        </p:spPr>
+      </p:pic>
+      <p:sp>
+        <p:nvSpPr>
+          <p:cNvPr id="11" name="テキスト ボックス 10"/>
+          <p:cNvSpPr txBox="1"/>
+          <p:nvPr/>
+        </p:nvSpPr>
+        <p:spPr>
+          <a:xfrm>
+            <a:off x="-13576" y="8726938"/>
+            <a:ext cx="2181621" cy="1323439"/>
+          </a:xfrm>
+          <a:prstGeom prst="rect">
+            <a:avLst/>
+          </a:prstGeom>
+          <a:noFill/>
+        </p:spPr>
+        <p:txBody>
+          <a:bodyPr wrap="square" rtlCol="0">
+            <a:spAutoFit/>
+          </a:bodyPr>
+          <a:lstStyle/>
+          <a:p>
+            <a:pPr fontAlgn="base"/>
+            <a:r>
+              <a:rPr lang="ja-JP" altLang="en-US" sz="1100" b="1" dirty="0"/>
+              <a:t>ベトナムコーヒーゼリー</a:t>
+            </a:r>
+            <a:br>
+              <a:rPr lang="ja-JP" altLang="en-US" sz="1100" b="1" dirty="0"/>
+            </a:br>
+            <a:r>
+              <a:rPr lang="ja-JP" altLang="en-US" sz="1100" b="1" dirty="0"/>
+              <a:t>バニラアイス添え</a:t>
+            </a:r>
+          </a:p>
+          <a:p>
+            <a:pPr fontAlgn="base"/>
+            <a:r>
+              <a:rPr lang="ja-JP" altLang="en-US" sz="1000" dirty="0"/>
+              <a:t>ビターなコーヒーゼリーと甘いバニラアイスを一緒に食べると超美味しい！</a:t>
+            </a:r>
+            <a:br>
+              <a:rPr lang="ja-JP" altLang="en-US" sz="1000" dirty="0"/>
+            </a:br>
+            <a:r>
+              <a:rPr lang="en-US" altLang="ja-JP" sz="1000" dirty="0"/>
+              <a:t>¥480</a:t>
+            </a:r>
+            <a:r>
+              <a:rPr lang="ja-JP" altLang="en-US" sz="1000" dirty="0"/>
+              <a:t>（税込）</a:t>
+            </a:r>
+          </a:p>
+          <a:p>
+            <a:endParaRPr kumimoji="1" lang="ja-JP" altLang="en-US" dirty="0"/>
+          </a:p>
+        </p:txBody>
+      </p:sp>
+      <p:sp>
+        <p:nvSpPr>
+          <p:cNvPr id="12" name="テキスト ボックス 11"/>
+          <p:cNvSpPr txBox="1"/>
+          <p:nvPr/>
+        </p:nvSpPr>
+        <p:spPr>
+          <a:xfrm>
+            <a:off x="2297743" y="8726938"/>
+            <a:ext cx="2093282" cy="1323439"/>
+          </a:xfrm>
+          <a:prstGeom prst="rect">
+            <a:avLst/>
+          </a:prstGeom>
+          <a:noFill/>
+        </p:spPr>
+        <p:txBody>
+          <a:bodyPr wrap="square" rtlCol="0">
+            <a:spAutoFit/>
+          </a:bodyPr>
+          <a:lstStyle/>
+          <a:p>
+            <a:pPr fontAlgn="base"/>
+            <a:r>
+              <a:rPr lang="ja-JP" altLang="en-US" sz="1100" b="1" dirty="0"/>
+              <a:t>ストロベリーソースの</a:t>
+            </a:r>
+            <a:br>
+              <a:rPr lang="ja-JP" altLang="en-US" sz="1100" b="1" dirty="0"/>
+            </a:br>
+            <a:r>
+              <a:rPr lang="ja-JP" altLang="en-US" sz="1100" b="1" dirty="0"/>
+              <a:t>ヨーグルト</a:t>
+            </a:r>
+          </a:p>
+          <a:p>
+            <a:pPr fontAlgn="base"/>
+            <a:r>
+              <a:rPr lang="ja-JP" altLang="en-US" sz="1000" dirty="0"/>
+              <a:t>甘酸っぱいソースとヨーグルトをコーンフレークにからめて食べたら超美味しい！</a:t>
+            </a:r>
+            <a:br>
+              <a:rPr lang="ja-JP" altLang="en-US" sz="1000" dirty="0"/>
+            </a:br>
+            <a:r>
+              <a:rPr lang="en-US" altLang="ja-JP" sz="1000" dirty="0"/>
+              <a:t>¥</a:t>
+            </a:r>
+            <a:r>
+              <a:rPr lang="en-US" altLang="ja-JP" sz="1000" dirty="0" smtClean="0"/>
+              <a:t>380</a:t>
+            </a:r>
+            <a:r>
+              <a:rPr lang="ja-JP" altLang="en-US" sz="1000" dirty="0"/>
+              <a:t>（税込）</a:t>
+            </a:r>
+          </a:p>
+          <a:p>
+            <a:endParaRPr kumimoji="1" lang="ja-JP" altLang="en-US" dirty="0"/>
+          </a:p>
+        </p:txBody>
+      </p:sp>
+      <p:sp>
+        <p:nvSpPr>
+          <p:cNvPr id="13" name="テキスト ボックス 12"/>
+          <p:cNvSpPr txBox="1"/>
+          <p:nvPr/>
+        </p:nvSpPr>
+        <p:spPr>
+          <a:xfrm>
+            <a:off x="4663993" y="8665383"/>
+            <a:ext cx="2066540" cy="1446550"/>
+          </a:xfrm>
+          <a:prstGeom prst="rect">
+            <a:avLst/>
+          </a:prstGeom>
+          <a:noFill/>
+        </p:spPr>
+        <p:txBody>
+          <a:bodyPr wrap="square" rtlCol="0">
+            <a:spAutoFit/>
+          </a:bodyPr>
+          <a:lstStyle/>
+          <a:p>
+            <a:pPr fontAlgn="base"/>
+            <a:r>
+              <a:rPr lang="ja-JP" altLang="en-US" sz="1100" b="1" dirty="0"/>
+              <a:t>マーマレードソースの</a:t>
+            </a:r>
+            <a:br>
+              <a:rPr lang="ja-JP" altLang="en-US" sz="1100" b="1" dirty="0"/>
+            </a:br>
+            <a:r>
+              <a:rPr lang="ja-JP" altLang="en-US" sz="1100" b="1" dirty="0"/>
+              <a:t>ヨーグルト</a:t>
+            </a:r>
+          </a:p>
+          <a:p>
+            <a:pPr fontAlgn="base"/>
+            <a:r>
+              <a:rPr lang="ja-JP" altLang="en-US" sz="1000" dirty="0"/>
+              <a:t>甘さ控えめのマーマレードソースをコーンフレークにからめて食べたら超美味しい！</a:t>
+            </a:r>
+            <a:br>
+              <a:rPr lang="ja-JP" altLang="en-US" sz="1000" dirty="0"/>
+            </a:br>
+            <a:r>
+              <a:rPr lang="en-US" altLang="ja-JP" sz="1000" dirty="0"/>
+              <a:t>¥380</a:t>
+            </a:r>
+            <a:r>
+              <a:rPr lang="ja-JP" altLang="en-US" sz="1000" dirty="0"/>
+              <a:t>（税込</a:t>
+            </a:r>
+            <a:r>
+              <a:rPr lang="ja-JP" altLang="en-US" dirty="0"/>
+              <a:t>）</a:t>
+            </a:r>
+          </a:p>
+          <a:p>
+            <a:endParaRPr kumimoji="1" lang="ja-JP" altLang="en-US" dirty="0"/>
+          </a:p>
+        </p:txBody>
+      </p:sp>
+    </p:spTree>
+    <p:extLst>
+      <p:ext uri="{BB962C8B-B14F-4D97-AF65-F5344CB8AC3E}">
+        <p14:creationId xmlns:p14="http://schemas.microsoft.com/office/powerpoint/2010/main" val="2527413405"/>
+      </p:ext>
+    </p:extLst>
+  </p:cSld>
+  <p:clrMapOvr>
+    <a:masterClrMapping/>
+  </p:clrMapOvr>
+</p:sld>
+</file>
+
+<file path=ppt/slides/slide5.xml><?xml version="1.0" encoding="utf-8"?>
+<p:sld xmlns:a="http://schemas.openxmlformats.org/drawingml/2006/main" xmlns:r="http://schemas.openxmlformats.org/officeDocument/2006/relationships" xmlns:p="http://schemas.openxmlformats.org/presentationml/2006/main">
+  <p:cSld>
+    <p:spTree>
+      <p:nvGrpSpPr>
+        <p:cNvPr id="1" name=""/>
+        <p:cNvGrpSpPr/>
+        <p:nvPr/>
+      </p:nvGrpSpPr>
+      <p:grpSpPr>
+        <a:xfrm>
+          <a:off x="0" y="0"/>
+          <a:ext cx="0" cy="0"/>
+          <a:chOff x="0" y="0"/>
+          <a:chExt cx="0" cy="0"/>
+        </a:xfrm>
+      </p:grpSpPr>
+      <p:sp>
+        <p:nvSpPr>
+          <p:cNvPr id="2" name="タイトル 1"/>
+          <p:cNvSpPr>
+            <a:spLocks noGrp="1"/>
+          </p:cNvSpPr>
+          <p:nvPr>
+            <p:ph type="title"/>
+          </p:nvPr>
+        </p:nvSpPr>
+        <p:spPr>
+          <a:xfrm>
             <a:off x="2662239" y="3301917"/>
             <a:ext cx="4217193" cy="1536782"/>
           </a:xfrm>
@@ -6317,6 +6978,259 @@
     <p:extLst>
       <p:ext uri="{BB962C8B-B14F-4D97-AF65-F5344CB8AC3E}">
         <p14:creationId xmlns:p14="http://schemas.microsoft.com/office/powerpoint/2010/main" val="3059702887"/>
+      </p:ext>
+    </p:extLst>
+  </p:cSld>
+  <p:clrMapOvr>
+    <a:masterClrMapping/>
+  </p:clrMapOvr>
+</p:sld>
+</file>
+
+<file path=ppt/slides/slide6.xml><?xml version="1.0" encoding="utf-8"?>
+<p:sld xmlns:a="http://schemas.openxmlformats.org/drawingml/2006/main" xmlns:r="http://schemas.openxmlformats.org/officeDocument/2006/relationships" xmlns:p="http://schemas.openxmlformats.org/presentationml/2006/main">
+  <p:cSld>
+    <p:spTree>
+      <p:nvGrpSpPr>
+        <p:cNvPr id="1" name=""/>
+        <p:cNvGrpSpPr/>
+        <p:nvPr/>
+      </p:nvGrpSpPr>
+      <p:grpSpPr>
+        <a:xfrm>
+          <a:off x="0" y="0"/>
+          <a:ext cx="0" cy="0"/>
+          <a:chOff x="0" y="0"/>
+          <a:chExt cx="0" cy="0"/>
+        </a:xfrm>
+      </p:grpSpPr>
+      <p:sp>
+        <p:nvSpPr>
+          <p:cNvPr id="2" name="タイトル 1"/>
+          <p:cNvSpPr>
+            <a:spLocks noGrp="1"/>
+          </p:cNvSpPr>
+          <p:nvPr>
+            <p:ph type="title"/>
+          </p:nvPr>
+        </p:nvSpPr>
+        <p:spPr>
+          <a:xfrm>
+            <a:off x="0" y="0"/>
+            <a:ext cx="6858000" cy="838200"/>
+          </a:xfrm>
+          <a:solidFill>
+            <a:schemeClr val="accent2">
+              <a:lumMod val="40000"/>
+              <a:lumOff val="60000"/>
+            </a:schemeClr>
+          </a:solidFill>
+        </p:spPr>
+        <p:txBody>
+          <a:bodyPr/>
+          <a:lstStyle/>
+          <a:p>
+            <a:pPr algn="ctr"/>
+            <a:r>
+              <a:rPr kumimoji="1" lang="ja-JP" altLang="en-US" u="sng" dirty="0" smtClean="0">
+                <a:solidFill>
+                  <a:srgbClr val="FF0000"/>
+                </a:solidFill>
+              </a:rPr>
+              <a:t>写真</a:t>
+            </a:r>
+            <a:endParaRPr kumimoji="1" lang="ja-JP" altLang="en-US" u="sng" dirty="0">
+              <a:solidFill>
+                <a:srgbClr val="FF0000"/>
+              </a:solidFill>
+            </a:endParaRPr>
+          </a:p>
+        </p:txBody>
+      </p:sp>
+      <p:pic>
+        <p:nvPicPr>
+          <p:cNvPr id="3" name="図 2"/>
+          <p:cNvPicPr>
+            <a:picLocks noChangeAspect="1"/>
+          </p:cNvPicPr>
+          <p:nvPr/>
+        </p:nvPicPr>
+        <p:blipFill>
+          <a:blip r:embed="rId2" cstate="print">
+            <a:extLst>
+              <a:ext uri="{28A0092B-C50C-407E-A947-70E740481C1C}">
+                <a14:useLocalDpi xmlns:a14="http://schemas.microsoft.com/office/drawing/2010/main" val="0"/>
+              </a:ext>
+            </a:extLst>
+          </a:blip>
+          <a:stretch>
+            <a:fillRect/>
+          </a:stretch>
+        </p:blipFill>
+        <p:spPr>
+          <a:xfrm>
+            <a:off x="171450" y="1194815"/>
+            <a:ext cx="2990850" cy="1995457"/>
+          </a:xfrm>
+          <a:prstGeom prst="rect">
+            <a:avLst/>
+          </a:prstGeom>
+        </p:spPr>
+      </p:pic>
+      <p:pic>
+        <p:nvPicPr>
+          <p:cNvPr id="4" name="図 3"/>
+          <p:cNvPicPr>
+            <a:picLocks noChangeAspect="1"/>
+          </p:cNvPicPr>
+          <p:nvPr/>
+        </p:nvPicPr>
+        <p:blipFill>
+          <a:blip r:embed="rId3">
+            <a:extLst>
+              <a:ext uri="{28A0092B-C50C-407E-A947-70E740481C1C}">
+                <a14:useLocalDpi xmlns:a14="http://schemas.microsoft.com/office/drawing/2010/main" val="0"/>
+              </a:ext>
+            </a:extLst>
+          </a:blip>
+          <a:stretch>
+            <a:fillRect/>
+          </a:stretch>
+        </p:blipFill>
+        <p:spPr>
+          <a:xfrm>
+            <a:off x="3625136" y="1194814"/>
+            <a:ext cx="2990850" cy="1995457"/>
+          </a:xfrm>
+          <a:prstGeom prst="rect">
+            <a:avLst/>
+          </a:prstGeom>
+        </p:spPr>
+      </p:pic>
+      <p:pic>
+        <p:nvPicPr>
+          <p:cNvPr id="5" name="図 4"/>
+          <p:cNvPicPr>
+            <a:picLocks noChangeAspect="1"/>
+          </p:cNvPicPr>
+          <p:nvPr/>
+        </p:nvPicPr>
+        <p:blipFill>
+          <a:blip r:embed="rId4">
+            <a:extLst>
+              <a:ext uri="{28A0092B-C50C-407E-A947-70E740481C1C}">
+                <a14:useLocalDpi xmlns:a14="http://schemas.microsoft.com/office/drawing/2010/main" val="0"/>
+              </a:ext>
+            </a:extLst>
+          </a:blip>
+          <a:stretch>
+            <a:fillRect/>
+          </a:stretch>
+        </p:blipFill>
+        <p:spPr>
+          <a:xfrm>
+            <a:off x="171450" y="3596892"/>
+            <a:ext cx="2990850" cy="1995458"/>
+          </a:xfrm>
+          <a:prstGeom prst="rect">
+            <a:avLst/>
+          </a:prstGeom>
+        </p:spPr>
+      </p:pic>
+      <p:pic>
+        <p:nvPicPr>
+          <p:cNvPr id="6" name="図 5"/>
+          <p:cNvPicPr>
+            <a:picLocks noChangeAspect="1"/>
+          </p:cNvPicPr>
+          <p:nvPr/>
+        </p:nvPicPr>
+        <p:blipFill>
+          <a:blip r:embed="rId5">
+            <a:extLst>
+              <a:ext uri="{28A0092B-C50C-407E-A947-70E740481C1C}">
+                <a14:useLocalDpi xmlns:a14="http://schemas.microsoft.com/office/drawing/2010/main" val="0"/>
+              </a:ext>
+            </a:extLst>
+          </a:blip>
+          <a:stretch>
+            <a:fillRect/>
+          </a:stretch>
+        </p:blipFill>
+        <p:spPr>
+          <a:xfrm>
+            <a:off x="3625136" y="3596892"/>
+            <a:ext cx="2990850" cy="1995458"/>
+          </a:xfrm>
+          <a:prstGeom prst="rect">
+            <a:avLst/>
+          </a:prstGeom>
+        </p:spPr>
+      </p:pic>
+      <p:pic>
+        <p:nvPicPr>
+          <p:cNvPr id="7" name="図 6"/>
+          <p:cNvPicPr>
+            <a:picLocks noChangeAspect="1"/>
+          </p:cNvPicPr>
+          <p:nvPr/>
+        </p:nvPicPr>
+        <p:blipFill>
+          <a:blip r:embed="rId6">
+            <a:extLst>
+              <a:ext uri="{28A0092B-C50C-407E-A947-70E740481C1C}">
+                <a14:useLocalDpi xmlns:a14="http://schemas.microsoft.com/office/drawing/2010/main" val="0"/>
+              </a:ext>
+            </a:extLst>
+          </a:blip>
+          <a:stretch>
+            <a:fillRect/>
+          </a:stretch>
+        </p:blipFill>
+        <p:spPr>
+          <a:xfrm>
+            <a:off x="171450" y="5998970"/>
+            <a:ext cx="2990850" cy="1995458"/>
+          </a:xfrm>
+          <a:prstGeom prst="rect">
+            <a:avLst/>
+          </a:prstGeom>
+        </p:spPr>
+      </p:pic>
+      <p:pic>
+        <p:nvPicPr>
+          <p:cNvPr id="8" name="図 7"/>
+          <p:cNvPicPr>
+            <a:picLocks noChangeAspect="1"/>
+          </p:cNvPicPr>
+          <p:nvPr/>
+        </p:nvPicPr>
+        <p:blipFill>
+          <a:blip r:embed="rId7">
+            <a:extLst>
+              <a:ext uri="{28A0092B-C50C-407E-A947-70E740481C1C}">
+                <a14:useLocalDpi xmlns:a14="http://schemas.microsoft.com/office/drawing/2010/main" val="0"/>
+              </a:ext>
+            </a:extLst>
+          </a:blip>
+          <a:stretch>
+            <a:fillRect/>
+          </a:stretch>
+        </p:blipFill>
+        <p:spPr>
+          <a:xfrm>
+            <a:off x="3625136" y="5998970"/>
+            <a:ext cx="3025864" cy="2014090"/>
+          </a:xfrm>
+          <a:prstGeom prst="rect">
+            <a:avLst/>
+          </a:prstGeom>
+        </p:spPr>
+      </p:pic>
+    </p:spTree>
+    <p:extLst>
+      <p:ext uri="{BB962C8B-B14F-4D97-AF65-F5344CB8AC3E}">
+        <p14:creationId xmlns:p14="http://schemas.microsoft.com/office/powerpoint/2010/main" val="741200368"/>
       </p:ext>
     </p:extLst>
   </p:cSld>
